--- a/images/visualisation.pptx
+++ b/images/visualisation.pptx
@@ -6,6 +6,8 @@
   </p:sldMasterIdLst>
   <p:sldIdLst>
     <p:sldId id="256" r:id="rId2"/>
+    <p:sldId id="257" r:id="rId3"/>
+    <p:sldId id="258" r:id="rId4"/>
   </p:sldIdLst>
   <p:sldSz cx="12192000" cy="6858000"/>
   <p:notesSz cx="6858000" cy="9144000"/>
@@ -104,6 +106,11 @@
       </a:defRPr>
     </a:lvl9pPr>
   </p:defaultTextStyle>
+  <p:extLst>
+    <p:ext uri="{EFAFB233-063F-42B5-8137-9DF3F51BA10A}">
+      <p15:sldGuideLst xmlns:p15="http://schemas.microsoft.com/office/powerpoint/2012/main"/>
+    </p:ext>
+  </p:extLst>
 </p:presentation>
 </file>
 
@@ -256,7 +263,7 @@
           <a:p>
             <a:fld id="{AA380EC5-6CAB-40A0-B61F-2D5718DD6F2B}" type="datetimeFigureOut">
               <a:rPr lang="en-US" smtClean="0"/>
-              <a:t>9/21/2023</a:t>
+              <a:t>9/25/2023</a:t>
             </a:fld>
             <a:endParaRPr lang="en-US"/>
           </a:p>
@@ -456,7 +463,7 @@
           <a:p>
             <a:fld id="{AA380EC5-6CAB-40A0-B61F-2D5718DD6F2B}" type="datetimeFigureOut">
               <a:rPr lang="en-US" smtClean="0"/>
-              <a:t>9/21/2023</a:t>
+              <a:t>9/25/2023</a:t>
             </a:fld>
             <a:endParaRPr lang="en-US"/>
           </a:p>
@@ -666,7 +673,7 @@
           <a:p>
             <a:fld id="{AA380EC5-6CAB-40A0-B61F-2D5718DD6F2B}" type="datetimeFigureOut">
               <a:rPr lang="en-US" smtClean="0"/>
-              <a:t>9/21/2023</a:t>
+              <a:t>9/25/2023</a:t>
             </a:fld>
             <a:endParaRPr lang="en-US"/>
           </a:p>
@@ -866,7 +873,7 @@
           <a:p>
             <a:fld id="{AA380EC5-6CAB-40A0-B61F-2D5718DD6F2B}" type="datetimeFigureOut">
               <a:rPr lang="en-US" smtClean="0"/>
-              <a:t>9/21/2023</a:t>
+              <a:t>9/25/2023</a:t>
             </a:fld>
             <a:endParaRPr lang="en-US"/>
           </a:p>
@@ -1142,7 +1149,7 @@
           <a:p>
             <a:fld id="{AA380EC5-6CAB-40A0-B61F-2D5718DD6F2B}" type="datetimeFigureOut">
               <a:rPr lang="en-US" smtClean="0"/>
-              <a:t>9/21/2023</a:t>
+              <a:t>9/25/2023</a:t>
             </a:fld>
             <a:endParaRPr lang="en-US"/>
           </a:p>
@@ -1410,7 +1417,7 @@
           <a:p>
             <a:fld id="{AA380EC5-6CAB-40A0-B61F-2D5718DD6F2B}" type="datetimeFigureOut">
               <a:rPr lang="en-US" smtClean="0"/>
-              <a:t>9/21/2023</a:t>
+              <a:t>9/25/2023</a:t>
             </a:fld>
             <a:endParaRPr lang="en-US"/>
           </a:p>
@@ -1825,7 +1832,7 @@
           <a:p>
             <a:fld id="{AA380EC5-6CAB-40A0-B61F-2D5718DD6F2B}" type="datetimeFigureOut">
               <a:rPr lang="en-US" smtClean="0"/>
-              <a:t>9/21/2023</a:t>
+              <a:t>9/25/2023</a:t>
             </a:fld>
             <a:endParaRPr lang="en-US"/>
           </a:p>
@@ -1967,7 +1974,7 @@
           <a:p>
             <a:fld id="{AA380EC5-6CAB-40A0-B61F-2D5718DD6F2B}" type="datetimeFigureOut">
               <a:rPr lang="en-US" smtClean="0"/>
-              <a:t>9/21/2023</a:t>
+              <a:t>9/25/2023</a:t>
             </a:fld>
             <a:endParaRPr lang="en-US"/>
           </a:p>
@@ -2080,7 +2087,7 @@
           <a:p>
             <a:fld id="{AA380EC5-6CAB-40A0-B61F-2D5718DD6F2B}" type="datetimeFigureOut">
               <a:rPr lang="en-US" smtClean="0"/>
-              <a:t>9/21/2023</a:t>
+              <a:t>9/25/2023</a:t>
             </a:fld>
             <a:endParaRPr lang="en-US"/>
           </a:p>
@@ -2393,7 +2400,7 @@
           <a:p>
             <a:fld id="{AA380EC5-6CAB-40A0-B61F-2D5718DD6F2B}" type="datetimeFigureOut">
               <a:rPr lang="en-US" smtClean="0"/>
-              <a:t>9/21/2023</a:t>
+              <a:t>9/25/2023</a:t>
             </a:fld>
             <a:endParaRPr lang="en-US"/>
           </a:p>
@@ -2682,7 +2689,7 @@
           <a:p>
             <a:fld id="{AA380EC5-6CAB-40A0-B61F-2D5718DD6F2B}" type="datetimeFigureOut">
               <a:rPr lang="en-US" smtClean="0"/>
-              <a:t>9/21/2023</a:t>
+              <a:t>9/25/2023</a:t>
             </a:fld>
             <a:endParaRPr lang="en-US"/>
           </a:p>
@@ -2940,7 +2947,7 @@
           <a:p>
             <a:fld id="{AA380EC5-6CAB-40A0-B61F-2D5718DD6F2B}" type="datetimeFigureOut">
               <a:rPr lang="en-US" smtClean="0"/>
-              <a:t>9/21/2023</a:t>
+              <a:t>9/25/2023</a:t>
             </a:fld>
             <a:endParaRPr lang="en-US"/>
           </a:p>
@@ -5091,7 +5098,7 @@
                   <a:schemeClr val="bg1"/>
                 </a:solidFill>
               </a:rPr>
-              <a:t>process</a:t>
+              <a:t>Process</a:t>
             </a:r>
             <a:endParaRPr lang="en-US" sz="4800" dirty="0">
               <a:solidFill>
@@ -5745,6 +5752,2804 @@
     <p:extLst>
       <p:ext uri="{BB962C8B-B14F-4D97-AF65-F5344CB8AC3E}">
         <p14:creationId xmlns:p14="http://schemas.microsoft.com/office/powerpoint/2010/main" val="3605868278"/>
+      </p:ext>
+    </p:extLst>
+  </p:cSld>
+  <p:clrMapOvr>
+    <a:masterClrMapping/>
+  </p:clrMapOvr>
+</p:sld>
+</file>
+
+<file path=ppt/slides/slide2.xml><?xml version="1.0" encoding="utf-8"?>
+<p:sld xmlns:a="http://schemas.openxmlformats.org/drawingml/2006/main" xmlns:r="http://schemas.openxmlformats.org/officeDocument/2006/relationships" xmlns:p="http://schemas.openxmlformats.org/presentationml/2006/main">
+  <p:cSld>
+    <p:spTree>
+      <p:nvGrpSpPr>
+        <p:cNvPr id="1" name=""/>
+        <p:cNvGrpSpPr/>
+        <p:nvPr/>
+      </p:nvGrpSpPr>
+      <p:grpSpPr>
+        <a:xfrm>
+          <a:off x="0" y="0"/>
+          <a:ext cx="0" cy="0"/>
+          <a:chOff x="0" y="0"/>
+          <a:chExt cx="0" cy="0"/>
+        </a:xfrm>
+      </p:grpSpPr>
+      <p:sp>
+        <p:nvSpPr>
+          <p:cNvPr id="5" name="Textfeld 4">
+            <a:extLst>
+              <a:ext uri="{FF2B5EF4-FFF2-40B4-BE49-F238E27FC236}">
+                <a16:creationId xmlns:a16="http://schemas.microsoft.com/office/drawing/2014/main" id="{60EC8BC6-6D25-47CD-9E8E-8267EBF24013}"/>
+              </a:ext>
+            </a:extLst>
+          </p:cNvPr>
+          <p:cNvSpPr txBox="1"/>
+          <p:nvPr/>
+        </p:nvSpPr>
+        <p:spPr>
+          <a:xfrm>
+            <a:off x="97804" y="2284655"/>
+            <a:ext cx="2185214" cy="261610"/>
+          </a:xfrm>
+          <a:prstGeom prst="rect">
+            <a:avLst/>
+          </a:prstGeom>
+          <a:noFill/>
+        </p:spPr>
+        <p:txBody>
+          <a:bodyPr wrap="none" rtlCol="0">
+            <a:spAutoFit/>
+          </a:bodyPr>
+          <a:lstStyle/>
+          <a:p>
+            <a:r>
+              <a:rPr lang="en-US" sz="1100" dirty="0">
+                <a:solidFill>
+                  <a:srgbClr val="6A9955"/>
+                </a:solidFill>
+                <a:latin typeface="Consolas" panose="020B0609020204030204" pitchFamily="49" charset="0"/>
+              </a:rPr>
+              <a:t>&gt;&gt;&gt;</a:t>
+            </a:r>
+            <a:r>
+              <a:rPr lang="en-US" sz="1100" dirty="0">
+                <a:solidFill>
+                  <a:srgbClr val="CCCCCC"/>
+                </a:solidFill>
+                <a:latin typeface="Consolas" panose="020B0609020204030204" pitchFamily="49" charset="0"/>
+              </a:rPr>
+              <a:t> Summarize Paragraph 2.</a:t>
+            </a:r>
+          </a:p>
+        </p:txBody>
+      </p:sp>
+      <p:sp>
+        <p:nvSpPr>
+          <p:cNvPr id="6" name="Textfeld 5">
+            <a:extLst>
+              <a:ext uri="{FF2B5EF4-FFF2-40B4-BE49-F238E27FC236}">
+                <a16:creationId xmlns:a16="http://schemas.microsoft.com/office/drawing/2014/main" id="{EFC04485-7F96-441F-9E8F-B6F8D1808B30}"/>
+              </a:ext>
+            </a:extLst>
+          </p:cNvPr>
+          <p:cNvSpPr txBox="1"/>
+          <p:nvPr/>
+        </p:nvSpPr>
+        <p:spPr>
+          <a:xfrm>
+            <a:off x="3148424" y="2284655"/>
+            <a:ext cx="3270484" cy="261610"/>
+          </a:xfrm>
+          <a:prstGeom prst="rect">
+            <a:avLst/>
+          </a:prstGeom>
+          <a:noFill/>
+        </p:spPr>
+        <p:txBody>
+          <a:bodyPr wrap="square" rtlCol="0">
+            <a:spAutoFit/>
+          </a:bodyPr>
+          <a:lstStyle/>
+          <a:p>
+            <a:r>
+              <a:rPr lang="en-US" sz="1100" dirty="0">
+                <a:solidFill>
+                  <a:srgbClr val="CCCCCC"/>
+                </a:solidFill>
+                <a:latin typeface="Consolas" panose="020B0609020204030204" pitchFamily="49" charset="0"/>
+              </a:rPr>
+              <a:t>[</a:t>
+            </a:r>
+            <a:r>
+              <a:rPr lang="en-US" sz="1100" dirty="0">
+                <a:solidFill>
+                  <a:srgbClr val="B5CEA8"/>
+                </a:solidFill>
+                <a:latin typeface="Consolas" panose="020B0609020204030204" pitchFamily="49" charset="0"/>
+              </a:rPr>
+              <a:t>0.5</a:t>
+            </a:r>
+            <a:r>
+              <a:rPr lang="en-US" sz="1100" dirty="0">
+                <a:solidFill>
+                  <a:srgbClr val="CCCCCC"/>
+                </a:solidFill>
+                <a:latin typeface="Consolas" panose="020B0609020204030204" pitchFamily="49" charset="0"/>
+              </a:rPr>
+              <a:t>, </a:t>
+            </a:r>
+            <a:r>
+              <a:rPr lang="en-US" sz="1100" dirty="0">
+                <a:solidFill>
+                  <a:srgbClr val="B5CEA8"/>
+                </a:solidFill>
+                <a:latin typeface="Consolas" panose="020B0609020204030204" pitchFamily="49" charset="0"/>
+              </a:rPr>
+              <a:t>0.8</a:t>
+            </a:r>
+            <a:r>
+              <a:rPr lang="en-US" sz="1100" dirty="0">
+                <a:solidFill>
+                  <a:srgbClr val="CCCCCC"/>
+                </a:solidFill>
+                <a:latin typeface="Consolas" panose="020B0609020204030204" pitchFamily="49" charset="0"/>
+              </a:rPr>
+              <a:t>, </a:t>
+            </a:r>
+            <a:r>
+              <a:rPr lang="en-US" sz="1100" dirty="0">
+                <a:solidFill>
+                  <a:srgbClr val="B5CEA8"/>
+                </a:solidFill>
+                <a:latin typeface="Consolas" panose="020B0609020204030204" pitchFamily="49" charset="0"/>
+              </a:rPr>
+              <a:t>-0.1</a:t>
+            </a:r>
+            <a:r>
+              <a:rPr lang="en-US" sz="1100" dirty="0">
+                <a:solidFill>
+                  <a:srgbClr val="CCCCCC"/>
+                </a:solidFill>
+                <a:latin typeface="Consolas" panose="020B0609020204030204" pitchFamily="49" charset="0"/>
+              </a:rPr>
+              <a:t>, </a:t>
+            </a:r>
+            <a:r>
+              <a:rPr lang="en-US" sz="1100" dirty="0">
+                <a:solidFill>
+                  <a:srgbClr val="B5CEA8"/>
+                </a:solidFill>
+                <a:latin typeface="Consolas" panose="020B0609020204030204" pitchFamily="49" charset="0"/>
+              </a:rPr>
+              <a:t>0.2</a:t>
+            </a:r>
+            <a:r>
+              <a:rPr lang="en-US" sz="1100" dirty="0">
+                <a:solidFill>
+                  <a:srgbClr val="CCCCCC"/>
+                </a:solidFill>
+                <a:latin typeface="Consolas" panose="020B0609020204030204" pitchFamily="49" charset="0"/>
+              </a:rPr>
+              <a:t>, </a:t>
+            </a:r>
+            <a:r>
+              <a:rPr lang="en-US" sz="1100" dirty="0">
+                <a:solidFill>
+                  <a:srgbClr val="B5CEA8"/>
+                </a:solidFill>
+                <a:latin typeface="Consolas" panose="020B0609020204030204" pitchFamily="49" charset="0"/>
+              </a:rPr>
+              <a:t>-0.6</a:t>
+            </a:r>
+            <a:r>
+              <a:rPr lang="en-US" sz="1100" dirty="0">
+                <a:solidFill>
+                  <a:srgbClr val="CCCCCC"/>
+                </a:solidFill>
+                <a:latin typeface="Consolas" panose="020B0609020204030204" pitchFamily="49" charset="0"/>
+              </a:rPr>
+              <a:t>, </a:t>
+            </a:r>
+            <a:r>
+              <a:rPr lang="en-US" sz="1100" dirty="0">
+                <a:solidFill>
+                  <a:srgbClr val="B5CEA8"/>
+                </a:solidFill>
+                <a:latin typeface="Consolas" panose="020B0609020204030204" pitchFamily="49" charset="0"/>
+              </a:rPr>
+              <a:t>-0.5</a:t>
+            </a:r>
+            <a:r>
+              <a:rPr lang="en-US" sz="1100" dirty="0">
+                <a:solidFill>
+                  <a:srgbClr val="CCCCCC"/>
+                </a:solidFill>
+                <a:latin typeface="Consolas" panose="020B0609020204030204" pitchFamily="49" charset="0"/>
+              </a:rPr>
+              <a:t>, </a:t>
+            </a:r>
+            <a:r>
+              <a:rPr lang="en-US" sz="1100" dirty="0">
+                <a:solidFill>
+                  <a:srgbClr val="B5CEA8"/>
+                </a:solidFill>
+                <a:latin typeface="Consolas" panose="020B0609020204030204" pitchFamily="49" charset="0"/>
+              </a:rPr>
+              <a:t>-0.2</a:t>
+            </a:r>
+            <a:r>
+              <a:rPr lang="en-US" sz="1100" dirty="0">
+                <a:solidFill>
+                  <a:srgbClr val="CCCCCC"/>
+                </a:solidFill>
+                <a:latin typeface="Consolas" panose="020B0609020204030204" pitchFamily="49" charset="0"/>
+              </a:rPr>
+              <a:t>]</a:t>
+            </a:r>
+            <a:endParaRPr lang="en-US" sz="1100" dirty="0">
+              <a:solidFill>
+                <a:schemeClr val="accent4"/>
+              </a:solidFill>
+              <a:latin typeface="Consolas" panose="020B0609020204030204" pitchFamily="49" charset="0"/>
+            </a:endParaRPr>
+          </a:p>
+        </p:txBody>
+      </p:sp>
+      <p:sp>
+        <p:nvSpPr>
+          <p:cNvPr id="7" name="Textfeld 6">
+            <a:extLst>
+              <a:ext uri="{FF2B5EF4-FFF2-40B4-BE49-F238E27FC236}">
+                <a16:creationId xmlns:a16="http://schemas.microsoft.com/office/drawing/2014/main" id="{2AF15263-47C2-40C3-894A-9875C8DD25B0}"/>
+              </a:ext>
+            </a:extLst>
+          </p:cNvPr>
+          <p:cNvSpPr txBox="1"/>
+          <p:nvPr/>
+        </p:nvSpPr>
+        <p:spPr>
+          <a:xfrm>
+            <a:off x="7405199" y="1369020"/>
+            <a:ext cx="4647426" cy="2462213"/>
+          </a:xfrm>
+          <a:prstGeom prst="rect">
+            <a:avLst/>
+          </a:prstGeom>
+          <a:noFill/>
+        </p:spPr>
+        <p:txBody>
+          <a:bodyPr wrap="none" rtlCol="0">
+            <a:spAutoFit/>
+          </a:bodyPr>
+          <a:lstStyle/>
+          <a:p>
+            <a:r>
+              <a:rPr lang="en-US" sz="1100" dirty="0">
+                <a:solidFill>
+                  <a:schemeClr val="accent4"/>
+                </a:solidFill>
+                <a:latin typeface="Consolas" panose="020B0609020204030204" pitchFamily="49" charset="0"/>
+              </a:rPr>
+              <a:t>[</a:t>
+            </a:r>
+          </a:p>
+          <a:p>
+            <a:r>
+              <a:rPr lang="en-US" sz="1100" dirty="0">
+                <a:solidFill>
+                  <a:srgbClr val="CCCCCC"/>
+                </a:solidFill>
+                <a:latin typeface="Consolas" panose="020B0609020204030204" pitchFamily="49" charset="0"/>
+              </a:rPr>
+              <a:t>    </a:t>
+            </a:r>
+            <a:r>
+              <a:rPr lang="en-US" sz="1100" dirty="0">
+                <a:solidFill>
+                  <a:srgbClr val="CE70D6"/>
+                </a:solidFill>
+                <a:latin typeface="Consolas" panose="020B0609020204030204" pitchFamily="49" charset="0"/>
+              </a:rPr>
+              <a:t>{</a:t>
+            </a:r>
+          </a:p>
+          <a:p>
+            <a:r>
+              <a:rPr lang="en-US" sz="1100" dirty="0">
+                <a:solidFill>
+                  <a:srgbClr val="CCCCCC"/>
+                </a:solidFill>
+                <a:latin typeface="Consolas" panose="020B0609020204030204" pitchFamily="49" charset="0"/>
+              </a:rPr>
+              <a:t>        </a:t>
+            </a:r>
+            <a:r>
+              <a:rPr lang="en-US" sz="1100" dirty="0">
+                <a:solidFill>
+                  <a:srgbClr val="9CDCFE"/>
+                </a:solidFill>
+                <a:latin typeface="Consolas" panose="020B0609020204030204" pitchFamily="49" charset="0"/>
+              </a:rPr>
+              <a:t>"id"</a:t>
+            </a:r>
+            <a:r>
+              <a:rPr lang="en-US" sz="1100" dirty="0">
+                <a:solidFill>
+                  <a:srgbClr val="CCCCCC"/>
+                </a:solidFill>
+                <a:latin typeface="Consolas" panose="020B0609020204030204" pitchFamily="49" charset="0"/>
+              </a:rPr>
+              <a:t>: </a:t>
+            </a:r>
+            <a:r>
+              <a:rPr lang="en-US" sz="1100" dirty="0">
+                <a:solidFill>
+                  <a:srgbClr val="CE9178"/>
+                </a:solidFill>
+                <a:latin typeface="Consolas" panose="020B0609020204030204" pitchFamily="49" charset="0"/>
+              </a:rPr>
+              <a:t>"33d7c62af3a54c1ea76913fa974995eb"</a:t>
+            </a:r>
+            <a:r>
+              <a:rPr lang="en-US" sz="1100" dirty="0">
+                <a:solidFill>
+                  <a:srgbClr val="CCCCCC"/>
+                </a:solidFill>
+                <a:latin typeface="Consolas" panose="020B0609020204030204" pitchFamily="49" charset="0"/>
+              </a:rPr>
+              <a:t>,</a:t>
+            </a:r>
+          </a:p>
+          <a:p>
+            <a:r>
+              <a:rPr lang="en-US" sz="1100" dirty="0">
+                <a:solidFill>
+                  <a:srgbClr val="CCCCCC"/>
+                </a:solidFill>
+                <a:latin typeface="Consolas" panose="020B0609020204030204" pitchFamily="49" charset="0"/>
+              </a:rPr>
+              <a:t>        </a:t>
+            </a:r>
+            <a:r>
+              <a:rPr lang="en-US" sz="1100" dirty="0">
+                <a:solidFill>
+                  <a:srgbClr val="9CDCFE"/>
+                </a:solidFill>
+                <a:latin typeface="Consolas" panose="020B0609020204030204" pitchFamily="49" charset="0"/>
+              </a:rPr>
+              <a:t>"content"</a:t>
+            </a:r>
+            <a:r>
+              <a:rPr lang="en-US" sz="1100" dirty="0">
+                <a:solidFill>
+                  <a:srgbClr val="CCCCCC"/>
+                </a:solidFill>
+                <a:latin typeface="Consolas" panose="020B0609020204030204" pitchFamily="49" charset="0"/>
+              </a:rPr>
+              <a:t>: [</a:t>
+            </a:r>
+            <a:r>
+              <a:rPr lang="en-US" sz="1100" dirty="0">
+                <a:solidFill>
+                  <a:srgbClr val="B5CEA8"/>
+                </a:solidFill>
+                <a:latin typeface="Consolas" panose="020B0609020204030204" pitchFamily="49" charset="0"/>
+              </a:rPr>
+              <a:t>0.6</a:t>
+            </a:r>
+            <a:r>
+              <a:rPr lang="en-US" sz="1100" dirty="0">
+                <a:solidFill>
+                  <a:srgbClr val="CCCCCC"/>
+                </a:solidFill>
+                <a:latin typeface="Consolas" panose="020B0609020204030204" pitchFamily="49" charset="0"/>
+              </a:rPr>
+              <a:t>, </a:t>
+            </a:r>
+            <a:r>
+              <a:rPr lang="en-US" sz="1100" dirty="0">
+                <a:solidFill>
+                  <a:srgbClr val="B5CEA8"/>
+                </a:solidFill>
+                <a:latin typeface="Consolas" panose="020B0609020204030204" pitchFamily="49" charset="0"/>
+              </a:rPr>
+              <a:t>0.9</a:t>
+            </a:r>
+            <a:r>
+              <a:rPr lang="en-US" sz="1100" dirty="0">
+                <a:solidFill>
+                  <a:srgbClr val="CCCCCC"/>
+                </a:solidFill>
+                <a:latin typeface="Consolas" panose="020B0609020204030204" pitchFamily="49" charset="0"/>
+              </a:rPr>
+              <a:t>, </a:t>
+            </a:r>
+            <a:r>
+              <a:rPr lang="en-US" sz="1100" dirty="0">
+                <a:solidFill>
+                  <a:srgbClr val="B5CEA8"/>
+                </a:solidFill>
+                <a:latin typeface="Consolas" panose="020B0609020204030204" pitchFamily="49" charset="0"/>
+              </a:rPr>
+              <a:t>0.1</a:t>
+            </a:r>
+            <a:r>
+              <a:rPr lang="en-US" sz="1100" dirty="0">
+                <a:solidFill>
+                  <a:srgbClr val="CCCCCC"/>
+                </a:solidFill>
+                <a:latin typeface="Consolas" panose="020B0609020204030204" pitchFamily="49" charset="0"/>
+              </a:rPr>
+              <a:t>, </a:t>
+            </a:r>
+            <a:r>
+              <a:rPr lang="en-US" sz="1100" dirty="0">
+                <a:solidFill>
+                  <a:srgbClr val="B5CEA8"/>
+                </a:solidFill>
+                <a:latin typeface="Consolas" panose="020B0609020204030204" pitchFamily="49" charset="0"/>
+              </a:rPr>
+              <a:t>0.4</a:t>
+            </a:r>
+            <a:r>
+              <a:rPr lang="en-US" sz="1100" dirty="0">
+                <a:solidFill>
+                  <a:srgbClr val="CCCCCC"/>
+                </a:solidFill>
+                <a:latin typeface="Consolas" panose="020B0609020204030204" pitchFamily="49" charset="0"/>
+              </a:rPr>
+              <a:t>, </a:t>
+            </a:r>
+            <a:r>
+              <a:rPr lang="en-US" sz="1100" dirty="0">
+                <a:solidFill>
+                  <a:srgbClr val="B5CEA8"/>
+                </a:solidFill>
+                <a:latin typeface="Consolas" panose="020B0609020204030204" pitchFamily="49" charset="0"/>
+              </a:rPr>
+              <a:t>-0.7</a:t>
+            </a:r>
+            <a:r>
+              <a:rPr lang="en-US" sz="1100" dirty="0">
+                <a:solidFill>
+                  <a:srgbClr val="CCCCCC"/>
+                </a:solidFill>
+                <a:latin typeface="Consolas" panose="020B0609020204030204" pitchFamily="49" charset="0"/>
+              </a:rPr>
+              <a:t>, </a:t>
+            </a:r>
+            <a:r>
+              <a:rPr lang="en-US" sz="1100" dirty="0">
+                <a:solidFill>
+                  <a:srgbClr val="B5CEA8"/>
+                </a:solidFill>
+                <a:latin typeface="Consolas" panose="020B0609020204030204" pitchFamily="49" charset="0"/>
+              </a:rPr>
+              <a:t>-0.3</a:t>
+            </a:r>
+            <a:r>
+              <a:rPr lang="en-US" sz="1100" dirty="0">
+                <a:solidFill>
+                  <a:srgbClr val="CCCCCC"/>
+                </a:solidFill>
+                <a:latin typeface="Consolas" panose="020B0609020204030204" pitchFamily="49" charset="0"/>
+              </a:rPr>
+              <a:t>, </a:t>
+            </a:r>
+            <a:r>
+              <a:rPr lang="en-US" sz="1100" dirty="0">
+                <a:solidFill>
+                  <a:srgbClr val="B5CEA8"/>
+                </a:solidFill>
+                <a:latin typeface="Consolas" panose="020B0609020204030204" pitchFamily="49" charset="0"/>
+              </a:rPr>
+              <a:t>-0.2</a:t>
+            </a:r>
+            <a:r>
+              <a:rPr lang="en-US" sz="1100" dirty="0">
+                <a:solidFill>
+                  <a:srgbClr val="CCCCCC"/>
+                </a:solidFill>
+                <a:latin typeface="Consolas" panose="020B0609020204030204" pitchFamily="49" charset="0"/>
+              </a:rPr>
+              <a:t>]</a:t>
+            </a:r>
+          </a:p>
+          <a:p>
+            <a:r>
+              <a:rPr lang="en-US" sz="1100" dirty="0">
+                <a:solidFill>
+                  <a:srgbClr val="CCCCCC"/>
+                </a:solidFill>
+                <a:latin typeface="Consolas" panose="020B0609020204030204" pitchFamily="49" charset="0"/>
+              </a:rPr>
+              <a:t>    </a:t>
+            </a:r>
+            <a:r>
+              <a:rPr lang="en-US" sz="1100" dirty="0">
+                <a:solidFill>
+                  <a:srgbClr val="CE70D6"/>
+                </a:solidFill>
+                <a:latin typeface="Consolas" panose="020B0609020204030204" pitchFamily="49" charset="0"/>
+              </a:rPr>
+              <a:t>}</a:t>
+            </a:r>
+            <a:r>
+              <a:rPr lang="en-US" sz="1100" dirty="0">
+                <a:solidFill>
+                  <a:srgbClr val="CCCCCC"/>
+                </a:solidFill>
+                <a:latin typeface="Consolas" panose="020B0609020204030204" pitchFamily="49" charset="0"/>
+              </a:rPr>
+              <a:t>,</a:t>
+            </a:r>
+          </a:p>
+          <a:p>
+            <a:r>
+              <a:rPr lang="en-US" sz="1100" dirty="0">
+                <a:solidFill>
+                  <a:srgbClr val="CCCCCC"/>
+                </a:solidFill>
+                <a:latin typeface="Consolas" panose="020B0609020204030204" pitchFamily="49" charset="0"/>
+              </a:rPr>
+              <a:t>    </a:t>
+            </a:r>
+            <a:r>
+              <a:rPr lang="en-US" sz="1100" dirty="0">
+                <a:solidFill>
+                  <a:srgbClr val="CE70D6"/>
+                </a:solidFill>
+                <a:latin typeface="Consolas" panose="020B0609020204030204" pitchFamily="49" charset="0"/>
+              </a:rPr>
+              <a:t>{</a:t>
+            </a:r>
+          </a:p>
+          <a:p>
+            <a:r>
+              <a:rPr lang="en-US" sz="1100" dirty="0">
+                <a:solidFill>
+                  <a:srgbClr val="CCCCCC"/>
+                </a:solidFill>
+                <a:latin typeface="Consolas" panose="020B0609020204030204" pitchFamily="49" charset="0"/>
+              </a:rPr>
+              <a:t>        </a:t>
+            </a:r>
+            <a:r>
+              <a:rPr lang="en-US" sz="1100" dirty="0">
+                <a:solidFill>
+                  <a:srgbClr val="9CDCFE"/>
+                </a:solidFill>
+                <a:latin typeface="Consolas" panose="020B0609020204030204" pitchFamily="49" charset="0"/>
+              </a:rPr>
+              <a:t>"id"</a:t>
+            </a:r>
+            <a:r>
+              <a:rPr lang="en-US" sz="1100" dirty="0">
+                <a:solidFill>
+                  <a:srgbClr val="CCCCCC"/>
+                </a:solidFill>
+                <a:latin typeface="Consolas" panose="020B0609020204030204" pitchFamily="49" charset="0"/>
+              </a:rPr>
+              <a:t>: </a:t>
+            </a:r>
+            <a:r>
+              <a:rPr lang="en-US" sz="1100" dirty="0">
+                <a:solidFill>
+                  <a:srgbClr val="CE9178"/>
+                </a:solidFill>
+                <a:latin typeface="Consolas" panose="020B0609020204030204" pitchFamily="49" charset="0"/>
+              </a:rPr>
+              <a:t>"6b0b2389736b40379882d172e3de1613"</a:t>
+            </a:r>
+            <a:r>
+              <a:rPr lang="en-US" sz="1100" dirty="0">
+                <a:solidFill>
+                  <a:srgbClr val="CCCCCC"/>
+                </a:solidFill>
+                <a:latin typeface="Consolas" panose="020B0609020204030204" pitchFamily="49" charset="0"/>
+              </a:rPr>
+              <a:t>,</a:t>
+            </a:r>
+          </a:p>
+          <a:p>
+            <a:r>
+              <a:rPr lang="en-US" sz="1100" dirty="0">
+                <a:solidFill>
+                  <a:srgbClr val="CCCCCC"/>
+                </a:solidFill>
+                <a:latin typeface="Consolas" panose="020B0609020204030204" pitchFamily="49" charset="0"/>
+              </a:rPr>
+              <a:t>        </a:t>
+            </a:r>
+            <a:r>
+              <a:rPr lang="en-US" sz="1100" dirty="0">
+                <a:solidFill>
+                  <a:srgbClr val="9CDCFE"/>
+                </a:solidFill>
+                <a:latin typeface="Consolas" panose="020B0609020204030204" pitchFamily="49" charset="0"/>
+              </a:rPr>
+              <a:t>"content"</a:t>
+            </a:r>
+            <a:r>
+              <a:rPr lang="en-US" sz="1100" dirty="0">
+                <a:solidFill>
+                  <a:srgbClr val="CCCCCC"/>
+                </a:solidFill>
+                <a:latin typeface="Consolas" panose="020B0609020204030204" pitchFamily="49" charset="0"/>
+              </a:rPr>
+              <a:t>: [</a:t>
+            </a:r>
+            <a:r>
+              <a:rPr lang="en-US" sz="1100" dirty="0">
+                <a:solidFill>
+                  <a:srgbClr val="B5CEA8"/>
+                </a:solidFill>
+                <a:latin typeface="Consolas" panose="020B0609020204030204" pitchFamily="49" charset="0"/>
+              </a:rPr>
+              <a:t>0.5</a:t>
+            </a:r>
+            <a:r>
+              <a:rPr lang="en-US" sz="1100" dirty="0">
+                <a:solidFill>
+                  <a:srgbClr val="CCCCCC"/>
+                </a:solidFill>
+                <a:latin typeface="Consolas" panose="020B0609020204030204" pitchFamily="49" charset="0"/>
+              </a:rPr>
+              <a:t>, </a:t>
+            </a:r>
+            <a:r>
+              <a:rPr lang="en-US" sz="1100" dirty="0">
+                <a:solidFill>
+                  <a:srgbClr val="B5CEA8"/>
+                </a:solidFill>
+                <a:latin typeface="Consolas" panose="020B0609020204030204" pitchFamily="49" charset="0"/>
+              </a:rPr>
+              <a:t>0.8</a:t>
+            </a:r>
+            <a:r>
+              <a:rPr lang="en-US" sz="1100" dirty="0">
+                <a:solidFill>
+                  <a:srgbClr val="CCCCCC"/>
+                </a:solidFill>
+                <a:latin typeface="Consolas" panose="020B0609020204030204" pitchFamily="49" charset="0"/>
+              </a:rPr>
+              <a:t>, </a:t>
+            </a:r>
+            <a:r>
+              <a:rPr lang="en-US" sz="1100" dirty="0">
+                <a:solidFill>
+                  <a:srgbClr val="B5CEA8"/>
+                </a:solidFill>
+                <a:latin typeface="Consolas" panose="020B0609020204030204" pitchFamily="49" charset="0"/>
+              </a:rPr>
+              <a:t>-0.1</a:t>
+            </a:r>
+            <a:r>
+              <a:rPr lang="en-US" sz="1100" dirty="0">
+                <a:solidFill>
+                  <a:srgbClr val="CCCCCC"/>
+                </a:solidFill>
+                <a:latin typeface="Consolas" panose="020B0609020204030204" pitchFamily="49" charset="0"/>
+              </a:rPr>
+              <a:t>, </a:t>
+            </a:r>
+            <a:r>
+              <a:rPr lang="en-US" sz="1100" dirty="0">
+                <a:solidFill>
+                  <a:srgbClr val="B5CEA8"/>
+                </a:solidFill>
+                <a:latin typeface="Consolas" panose="020B0609020204030204" pitchFamily="49" charset="0"/>
+              </a:rPr>
+              <a:t>0.2</a:t>
+            </a:r>
+            <a:r>
+              <a:rPr lang="en-US" sz="1100" dirty="0">
+                <a:solidFill>
+                  <a:srgbClr val="CCCCCC"/>
+                </a:solidFill>
+                <a:latin typeface="Consolas" panose="020B0609020204030204" pitchFamily="49" charset="0"/>
+              </a:rPr>
+              <a:t>, </a:t>
+            </a:r>
+            <a:r>
+              <a:rPr lang="en-US" sz="1100" dirty="0">
+                <a:solidFill>
+                  <a:srgbClr val="B5CEA8"/>
+                </a:solidFill>
+                <a:latin typeface="Consolas" panose="020B0609020204030204" pitchFamily="49" charset="0"/>
+              </a:rPr>
+              <a:t>-0.6</a:t>
+            </a:r>
+            <a:r>
+              <a:rPr lang="en-US" sz="1100" dirty="0">
+                <a:solidFill>
+                  <a:srgbClr val="CCCCCC"/>
+                </a:solidFill>
+                <a:latin typeface="Consolas" panose="020B0609020204030204" pitchFamily="49" charset="0"/>
+              </a:rPr>
+              <a:t>, </a:t>
+            </a:r>
+            <a:r>
+              <a:rPr lang="en-US" sz="1100" dirty="0">
+                <a:solidFill>
+                  <a:srgbClr val="B5CEA8"/>
+                </a:solidFill>
+                <a:latin typeface="Consolas" panose="020B0609020204030204" pitchFamily="49" charset="0"/>
+              </a:rPr>
+              <a:t>-0.5</a:t>
+            </a:r>
+            <a:r>
+              <a:rPr lang="en-US" sz="1100" dirty="0">
+                <a:solidFill>
+                  <a:srgbClr val="CCCCCC"/>
+                </a:solidFill>
+                <a:latin typeface="Consolas" panose="020B0609020204030204" pitchFamily="49" charset="0"/>
+              </a:rPr>
+              <a:t>, </a:t>
+            </a:r>
+            <a:r>
+              <a:rPr lang="en-US" sz="1100" dirty="0">
+                <a:solidFill>
+                  <a:srgbClr val="B5CEA8"/>
+                </a:solidFill>
+                <a:latin typeface="Consolas" panose="020B0609020204030204" pitchFamily="49" charset="0"/>
+              </a:rPr>
+              <a:t>-0.1</a:t>
+            </a:r>
+            <a:r>
+              <a:rPr lang="en-US" sz="1100" dirty="0">
+                <a:solidFill>
+                  <a:srgbClr val="CCCCCC"/>
+                </a:solidFill>
+                <a:latin typeface="Consolas" panose="020B0609020204030204" pitchFamily="49" charset="0"/>
+              </a:rPr>
+              <a:t>]</a:t>
+            </a:r>
+          </a:p>
+          <a:p>
+            <a:r>
+              <a:rPr lang="en-US" sz="1100" dirty="0">
+                <a:solidFill>
+                  <a:srgbClr val="CCCCCC"/>
+                </a:solidFill>
+                <a:latin typeface="Consolas" panose="020B0609020204030204" pitchFamily="49" charset="0"/>
+              </a:rPr>
+              <a:t>    </a:t>
+            </a:r>
+            <a:r>
+              <a:rPr lang="en-US" sz="1100" dirty="0">
+                <a:solidFill>
+                  <a:srgbClr val="CE70D6"/>
+                </a:solidFill>
+                <a:latin typeface="Consolas" panose="020B0609020204030204" pitchFamily="49" charset="0"/>
+              </a:rPr>
+              <a:t>}</a:t>
+            </a:r>
+            <a:r>
+              <a:rPr lang="en-US" sz="1100" dirty="0">
+                <a:solidFill>
+                  <a:srgbClr val="CCCCCC"/>
+                </a:solidFill>
+                <a:latin typeface="Consolas" panose="020B0609020204030204" pitchFamily="49" charset="0"/>
+              </a:rPr>
+              <a:t>,</a:t>
+            </a:r>
+          </a:p>
+          <a:p>
+            <a:r>
+              <a:rPr lang="en-US" sz="1100" dirty="0">
+                <a:solidFill>
+                  <a:srgbClr val="CCCCCC"/>
+                </a:solidFill>
+                <a:latin typeface="Consolas" panose="020B0609020204030204" pitchFamily="49" charset="0"/>
+              </a:rPr>
+              <a:t>    </a:t>
+            </a:r>
+            <a:r>
+              <a:rPr lang="en-US" sz="1100" dirty="0">
+                <a:solidFill>
+                  <a:srgbClr val="CE70D6"/>
+                </a:solidFill>
+                <a:latin typeface="Consolas" panose="020B0609020204030204" pitchFamily="49" charset="0"/>
+              </a:rPr>
+              <a:t>{</a:t>
+            </a:r>
+          </a:p>
+          <a:p>
+            <a:r>
+              <a:rPr lang="en-US" sz="1100" dirty="0">
+                <a:solidFill>
+                  <a:srgbClr val="CCCCCC"/>
+                </a:solidFill>
+                <a:latin typeface="Consolas" panose="020B0609020204030204" pitchFamily="49" charset="0"/>
+              </a:rPr>
+              <a:t>        </a:t>
+            </a:r>
+            <a:r>
+              <a:rPr lang="en-US" sz="1100" dirty="0">
+                <a:solidFill>
+                  <a:srgbClr val="9CDCFE"/>
+                </a:solidFill>
+                <a:latin typeface="Consolas" panose="020B0609020204030204" pitchFamily="49" charset="0"/>
+              </a:rPr>
+              <a:t>"id"</a:t>
+            </a:r>
+            <a:r>
+              <a:rPr lang="en-US" sz="1100" dirty="0">
+                <a:solidFill>
+                  <a:srgbClr val="CCCCCC"/>
+                </a:solidFill>
+                <a:latin typeface="Consolas" panose="020B0609020204030204" pitchFamily="49" charset="0"/>
+              </a:rPr>
+              <a:t>: </a:t>
+            </a:r>
+            <a:r>
+              <a:rPr lang="en-US" sz="1100" dirty="0">
+                <a:solidFill>
+                  <a:srgbClr val="CE9178"/>
+                </a:solidFill>
+                <a:latin typeface="Consolas" panose="020B0609020204030204" pitchFamily="49" charset="0"/>
+              </a:rPr>
+              <a:t>"647af4ba194942d68e4c7cf9b4f59d74"</a:t>
+            </a:r>
+            <a:r>
+              <a:rPr lang="en-US" sz="1100" dirty="0">
+                <a:solidFill>
+                  <a:srgbClr val="CCCCCC"/>
+                </a:solidFill>
+                <a:latin typeface="Consolas" panose="020B0609020204030204" pitchFamily="49" charset="0"/>
+              </a:rPr>
+              <a:t>,</a:t>
+            </a:r>
+          </a:p>
+          <a:p>
+            <a:r>
+              <a:rPr lang="en-US" sz="1100" dirty="0">
+                <a:solidFill>
+                  <a:srgbClr val="CCCCCC"/>
+                </a:solidFill>
+                <a:latin typeface="Consolas" panose="020B0609020204030204" pitchFamily="49" charset="0"/>
+              </a:rPr>
+              <a:t>        </a:t>
+            </a:r>
+            <a:r>
+              <a:rPr lang="en-US" sz="1100" dirty="0">
+                <a:solidFill>
+                  <a:srgbClr val="9CDCFE"/>
+                </a:solidFill>
+                <a:latin typeface="Consolas" panose="020B0609020204030204" pitchFamily="49" charset="0"/>
+              </a:rPr>
+              <a:t>"content"</a:t>
+            </a:r>
+            <a:r>
+              <a:rPr lang="en-US" sz="1100" dirty="0">
+                <a:solidFill>
+                  <a:srgbClr val="CCCCCC"/>
+                </a:solidFill>
+                <a:latin typeface="Consolas" panose="020B0609020204030204" pitchFamily="49" charset="0"/>
+              </a:rPr>
+              <a:t>: [</a:t>
+            </a:r>
+            <a:r>
+              <a:rPr lang="en-US" sz="1100" dirty="0">
+                <a:solidFill>
+                  <a:srgbClr val="B5CEA8"/>
+                </a:solidFill>
+                <a:latin typeface="Consolas" panose="020B0609020204030204" pitchFamily="49" charset="0"/>
+              </a:rPr>
+              <a:t>0.7</a:t>
+            </a:r>
+            <a:r>
+              <a:rPr lang="en-US" sz="1100" dirty="0">
+                <a:solidFill>
+                  <a:srgbClr val="CCCCCC"/>
+                </a:solidFill>
+                <a:latin typeface="Consolas" panose="020B0609020204030204" pitchFamily="49" charset="0"/>
+              </a:rPr>
+              <a:t>, </a:t>
+            </a:r>
+            <a:r>
+              <a:rPr lang="en-US" sz="1100" dirty="0">
+                <a:solidFill>
+                  <a:srgbClr val="B5CEA8"/>
+                </a:solidFill>
+                <a:latin typeface="Consolas" panose="020B0609020204030204" pitchFamily="49" charset="0"/>
+              </a:rPr>
+              <a:t>-0.1</a:t>
+            </a:r>
+            <a:r>
+              <a:rPr lang="en-US" sz="1100" dirty="0">
+                <a:solidFill>
+                  <a:srgbClr val="CCCCCC"/>
+                </a:solidFill>
+                <a:latin typeface="Consolas" panose="020B0609020204030204" pitchFamily="49" charset="0"/>
+              </a:rPr>
+              <a:t>, </a:t>
+            </a:r>
+            <a:r>
+              <a:rPr lang="en-US" sz="1100" dirty="0">
+                <a:solidFill>
+                  <a:srgbClr val="B5CEA8"/>
+                </a:solidFill>
+                <a:latin typeface="Consolas" panose="020B0609020204030204" pitchFamily="49" charset="0"/>
+              </a:rPr>
+              <a:t>0.4</a:t>
+            </a:r>
+            <a:r>
+              <a:rPr lang="en-US" sz="1100" dirty="0">
+                <a:solidFill>
+                  <a:srgbClr val="CCCCCC"/>
+                </a:solidFill>
+                <a:latin typeface="Consolas" panose="020B0609020204030204" pitchFamily="49" charset="0"/>
+              </a:rPr>
+              <a:t>, </a:t>
+            </a:r>
+            <a:r>
+              <a:rPr lang="en-US" sz="1100" dirty="0">
+                <a:solidFill>
+                  <a:srgbClr val="B5CEA8"/>
+                </a:solidFill>
+                <a:latin typeface="Consolas" panose="020B0609020204030204" pitchFamily="49" charset="0"/>
+              </a:rPr>
+              <a:t>0.3</a:t>
+            </a:r>
+            <a:r>
+              <a:rPr lang="en-US" sz="1100" dirty="0">
+                <a:solidFill>
+                  <a:srgbClr val="CCCCCC"/>
+                </a:solidFill>
+                <a:latin typeface="Consolas" panose="020B0609020204030204" pitchFamily="49" charset="0"/>
+              </a:rPr>
+              <a:t>, </a:t>
+            </a:r>
+            <a:r>
+              <a:rPr lang="en-US" sz="1100" dirty="0">
+                <a:solidFill>
+                  <a:srgbClr val="B5CEA8"/>
+                </a:solidFill>
+                <a:latin typeface="Consolas" panose="020B0609020204030204" pitchFamily="49" charset="0"/>
+              </a:rPr>
+              <a:t>-0.4</a:t>
+            </a:r>
+            <a:r>
+              <a:rPr lang="en-US" sz="1100" dirty="0">
+                <a:solidFill>
+                  <a:srgbClr val="CCCCCC"/>
+                </a:solidFill>
+                <a:latin typeface="Consolas" panose="020B0609020204030204" pitchFamily="49" charset="0"/>
+              </a:rPr>
+              <a:t>, </a:t>
+            </a:r>
+            <a:r>
+              <a:rPr lang="en-US" sz="1100" dirty="0">
+                <a:solidFill>
+                  <a:srgbClr val="B5CEA8"/>
+                </a:solidFill>
+                <a:latin typeface="Consolas" panose="020B0609020204030204" pitchFamily="49" charset="0"/>
+              </a:rPr>
+              <a:t>-0.1</a:t>
+            </a:r>
+            <a:r>
+              <a:rPr lang="en-US" sz="1100" dirty="0">
+                <a:solidFill>
+                  <a:srgbClr val="CCCCCC"/>
+                </a:solidFill>
+                <a:latin typeface="Consolas" panose="020B0609020204030204" pitchFamily="49" charset="0"/>
+              </a:rPr>
+              <a:t>, </a:t>
+            </a:r>
+            <a:r>
+              <a:rPr lang="en-US" sz="1100" dirty="0">
+                <a:solidFill>
+                  <a:srgbClr val="B5CEA8"/>
+                </a:solidFill>
+                <a:latin typeface="Consolas" panose="020B0609020204030204" pitchFamily="49" charset="0"/>
+              </a:rPr>
+              <a:t>-0.3</a:t>
+            </a:r>
+            <a:r>
+              <a:rPr lang="en-US" sz="1100" dirty="0">
+                <a:solidFill>
+                  <a:srgbClr val="CCCCCC"/>
+                </a:solidFill>
+                <a:latin typeface="Consolas" panose="020B0609020204030204" pitchFamily="49" charset="0"/>
+              </a:rPr>
+              <a:t>]</a:t>
+            </a:r>
+          </a:p>
+          <a:p>
+            <a:r>
+              <a:rPr lang="en-US" sz="1100" dirty="0">
+                <a:solidFill>
+                  <a:srgbClr val="CCCCCC"/>
+                </a:solidFill>
+                <a:latin typeface="Consolas" panose="020B0609020204030204" pitchFamily="49" charset="0"/>
+              </a:rPr>
+              <a:t>    </a:t>
+            </a:r>
+            <a:r>
+              <a:rPr lang="en-US" sz="1100" dirty="0">
+                <a:solidFill>
+                  <a:srgbClr val="CE70D6"/>
+                </a:solidFill>
+                <a:latin typeface="Consolas" panose="020B0609020204030204" pitchFamily="49" charset="0"/>
+              </a:rPr>
+              <a:t>}</a:t>
+            </a:r>
+          </a:p>
+          <a:p>
+            <a:r>
+              <a:rPr lang="en-US" sz="1100" dirty="0">
+                <a:solidFill>
+                  <a:schemeClr val="accent4"/>
+                </a:solidFill>
+                <a:latin typeface="Consolas" panose="020B0609020204030204" pitchFamily="49" charset="0"/>
+              </a:rPr>
+              <a:t>]</a:t>
+            </a:r>
+          </a:p>
+        </p:txBody>
+      </p:sp>
+      <p:sp>
+        <p:nvSpPr>
+          <p:cNvPr id="8" name="Textfeld 7">
+            <a:extLst>
+              <a:ext uri="{FF2B5EF4-FFF2-40B4-BE49-F238E27FC236}">
+                <a16:creationId xmlns:a16="http://schemas.microsoft.com/office/drawing/2014/main" id="{B71F180E-4F54-4C79-92CE-CABA7DE3A3EB}"/>
+              </a:ext>
+            </a:extLst>
+          </p:cNvPr>
+          <p:cNvSpPr txBox="1"/>
+          <p:nvPr/>
+        </p:nvSpPr>
+        <p:spPr>
+          <a:xfrm>
+            <a:off x="3818421" y="13905"/>
+            <a:ext cx="4555158" cy="830997"/>
+          </a:xfrm>
+          <a:prstGeom prst="rect">
+            <a:avLst/>
+          </a:prstGeom>
+          <a:noFill/>
+        </p:spPr>
+        <p:txBody>
+          <a:bodyPr wrap="none" rtlCol="0">
+            <a:spAutoFit/>
+          </a:bodyPr>
+          <a:lstStyle/>
+          <a:p>
+            <a:r>
+              <a:rPr lang="de-DE" sz="4800" dirty="0">
+                <a:solidFill>
+                  <a:schemeClr val="bg1"/>
+                </a:solidFill>
+              </a:rPr>
+              <a:t>Retrieval </a:t>
+            </a:r>
+            <a:r>
+              <a:rPr lang="de-DE" sz="4800" dirty="0" err="1">
+                <a:solidFill>
+                  <a:schemeClr val="bg1"/>
+                </a:solidFill>
+              </a:rPr>
+              <a:t>Process</a:t>
+            </a:r>
+            <a:endParaRPr lang="en-US" sz="4800" dirty="0">
+              <a:solidFill>
+                <a:schemeClr val="bg1"/>
+              </a:solidFill>
+            </a:endParaRPr>
+          </a:p>
+        </p:txBody>
+      </p:sp>
+      <p:sp>
+        <p:nvSpPr>
+          <p:cNvPr id="9" name="Textfeld 8">
+            <a:extLst>
+              <a:ext uri="{FF2B5EF4-FFF2-40B4-BE49-F238E27FC236}">
+                <a16:creationId xmlns:a16="http://schemas.microsoft.com/office/drawing/2014/main" id="{6B06F02A-6308-4598-B271-EE341E6B834A}"/>
+              </a:ext>
+            </a:extLst>
+          </p:cNvPr>
+          <p:cNvSpPr txBox="1"/>
+          <p:nvPr/>
+        </p:nvSpPr>
+        <p:spPr>
+          <a:xfrm>
+            <a:off x="2283018" y="2230795"/>
+            <a:ext cx="415498" cy="369332"/>
+          </a:xfrm>
+          <a:prstGeom prst="rect">
+            <a:avLst/>
+          </a:prstGeom>
+          <a:noFill/>
+        </p:spPr>
+        <p:txBody>
+          <a:bodyPr wrap="none" rtlCol="0">
+            <a:spAutoFit/>
+          </a:bodyPr>
+          <a:lstStyle/>
+          <a:p>
+            <a:r>
+              <a:rPr lang="de-DE" dirty="0">
+                <a:solidFill>
+                  <a:schemeClr val="bg1"/>
+                </a:solidFill>
+              </a:rPr>
+              <a:t>=&gt;</a:t>
+            </a:r>
+            <a:endParaRPr lang="en-US" dirty="0">
+              <a:solidFill>
+                <a:schemeClr val="bg1"/>
+              </a:solidFill>
+            </a:endParaRPr>
+          </a:p>
+        </p:txBody>
+      </p:sp>
+      <p:sp>
+        <p:nvSpPr>
+          <p:cNvPr id="10" name="Textfeld 9">
+            <a:extLst>
+              <a:ext uri="{FF2B5EF4-FFF2-40B4-BE49-F238E27FC236}">
+                <a16:creationId xmlns:a16="http://schemas.microsoft.com/office/drawing/2014/main" id="{4B89B5E1-9E90-4546-BB73-4D71442833AD}"/>
+              </a:ext>
+            </a:extLst>
+          </p:cNvPr>
+          <p:cNvSpPr txBox="1"/>
+          <p:nvPr/>
+        </p:nvSpPr>
+        <p:spPr>
+          <a:xfrm>
+            <a:off x="6868817" y="2230795"/>
+            <a:ext cx="415498" cy="369332"/>
+          </a:xfrm>
+          <a:prstGeom prst="rect">
+            <a:avLst/>
+          </a:prstGeom>
+          <a:noFill/>
+        </p:spPr>
+        <p:txBody>
+          <a:bodyPr wrap="none" rtlCol="0">
+            <a:spAutoFit/>
+          </a:bodyPr>
+          <a:lstStyle/>
+          <a:p>
+            <a:r>
+              <a:rPr lang="de-DE" dirty="0">
+                <a:solidFill>
+                  <a:schemeClr val="bg1"/>
+                </a:solidFill>
+              </a:rPr>
+              <a:t>=&gt;</a:t>
+            </a:r>
+            <a:endParaRPr lang="en-US" dirty="0">
+              <a:solidFill>
+                <a:schemeClr val="bg1"/>
+              </a:solidFill>
+            </a:endParaRPr>
+          </a:p>
+        </p:txBody>
+      </p:sp>
+      <p:sp>
+        <p:nvSpPr>
+          <p:cNvPr id="11" name="Textfeld 10">
+            <a:extLst>
+              <a:ext uri="{FF2B5EF4-FFF2-40B4-BE49-F238E27FC236}">
+                <a16:creationId xmlns:a16="http://schemas.microsoft.com/office/drawing/2014/main" id="{3F9A828F-D35C-49D7-926D-F9CB96C37EA4}"/>
+              </a:ext>
+            </a:extLst>
+          </p:cNvPr>
+          <p:cNvSpPr txBox="1"/>
+          <p:nvPr/>
+        </p:nvSpPr>
+        <p:spPr>
+          <a:xfrm>
+            <a:off x="157354" y="4594775"/>
+            <a:ext cx="2297039" cy="584775"/>
+          </a:xfrm>
+          <a:prstGeom prst="rect">
+            <a:avLst/>
+          </a:prstGeom>
+          <a:noFill/>
+        </p:spPr>
+        <p:txBody>
+          <a:bodyPr wrap="none" rtlCol="0">
+            <a:spAutoFit/>
+          </a:bodyPr>
+          <a:lstStyle/>
+          <a:p>
+            <a:r>
+              <a:rPr lang="de-DE" sz="3200" dirty="0">
+                <a:solidFill>
+                  <a:schemeClr val="bg1"/>
+                </a:solidFill>
+              </a:rPr>
+              <a:t>User prompt</a:t>
+            </a:r>
+            <a:endParaRPr lang="en-US" sz="3200" dirty="0">
+              <a:solidFill>
+                <a:schemeClr val="bg1"/>
+              </a:solidFill>
+            </a:endParaRPr>
+          </a:p>
+        </p:txBody>
+      </p:sp>
+      <p:sp>
+        <p:nvSpPr>
+          <p:cNvPr id="13" name="Textfeld 12">
+            <a:extLst>
+              <a:ext uri="{FF2B5EF4-FFF2-40B4-BE49-F238E27FC236}">
+                <a16:creationId xmlns:a16="http://schemas.microsoft.com/office/drawing/2014/main" id="{2EC391C5-3DD7-4700-9E96-D9FD1F537466}"/>
+              </a:ext>
+            </a:extLst>
+          </p:cNvPr>
+          <p:cNvSpPr txBox="1"/>
+          <p:nvPr/>
+        </p:nvSpPr>
+        <p:spPr>
+          <a:xfrm>
+            <a:off x="3074191" y="4594774"/>
+            <a:ext cx="3308855" cy="584775"/>
+          </a:xfrm>
+          <a:prstGeom prst="rect">
+            <a:avLst/>
+          </a:prstGeom>
+          <a:noFill/>
+        </p:spPr>
+        <p:txBody>
+          <a:bodyPr wrap="none" rtlCol="0">
+            <a:spAutoFit/>
+          </a:bodyPr>
+          <a:lstStyle/>
+          <a:p>
+            <a:r>
+              <a:rPr lang="de-DE" sz="3200" dirty="0">
+                <a:solidFill>
+                  <a:schemeClr val="bg1"/>
+                </a:solidFill>
+              </a:rPr>
+              <a:t>Embedding </a:t>
+            </a:r>
+            <a:r>
+              <a:rPr lang="de-DE" sz="3200" dirty="0" err="1">
+                <a:solidFill>
+                  <a:schemeClr val="bg1"/>
+                </a:solidFill>
+              </a:rPr>
+              <a:t>vector</a:t>
+            </a:r>
+            <a:endParaRPr lang="en-US" sz="3200" dirty="0">
+              <a:solidFill>
+                <a:schemeClr val="bg1"/>
+              </a:solidFill>
+            </a:endParaRPr>
+          </a:p>
+        </p:txBody>
+      </p:sp>
+      <p:sp>
+        <p:nvSpPr>
+          <p:cNvPr id="14" name="Textfeld 13">
+            <a:extLst>
+              <a:ext uri="{FF2B5EF4-FFF2-40B4-BE49-F238E27FC236}">
+                <a16:creationId xmlns:a16="http://schemas.microsoft.com/office/drawing/2014/main" id="{C2E70604-1990-4976-8894-CAE1D72BD1BC}"/>
+              </a:ext>
+            </a:extLst>
+          </p:cNvPr>
+          <p:cNvSpPr txBox="1"/>
+          <p:nvPr/>
+        </p:nvSpPr>
+        <p:spPr>
+          <a:xfrm>
+            <a:off x="7869653" y="4589851"/>
+            <a:ext cx="2631233" cy="584775"/>
+          </a:xfrm>
+          <a:prstGeom prst="rect">
+            <a:avLst/>
+          </a:prstGeom>
+          <a:noFill/>
+        </p:spPr>
+        <p:txBody>
+          <a:bodyPr wrap="none" rtlCol="0">
+            <a:spAutoFit/>
+          </a:bodyPr>
+          <a:lstStyle/>
+          <a:p>
+            <a:r>
+              <a:rPr lang="de-DE" sz="3200" dirty="0" err="1">
+                <a:solidFill>
+                  <a:schemeClr val="bg1"/>
+                </a:solidFill>
+              </a:rPr>
+              <a:t>Similar-search</a:t>
+            </a:r>
+            <a:endParaRPr lang="en-US" sz="3200" dirty="0">
+              <a:solidFill>
+                <a:schemeClr val="bg1"/>
+              </a:solidFill>
+            </a:endParaRPr>
+          </a:p>
+        </p:txBody>
+      </p:sp>
+      <p:sp>
+        <p:nvSpPr>
+          <p:cNvPr id="15" name="Textfeld 14">
+            <a:extLst>
+              <a:ext uri="{FF2B5EF4-FFF2-40B4-BE49-F238E27FC236}">
+                <a16:creationId xmlns:a16="http://schemas.microsoft.com/office/drawing/2014/main" id="{CE90A48C-A277-4D51-B101-EA5D1B5B0775}"/>
+              </a:ext>
+            </a:extLst>
+          </p:cNvPr>
+          <p:cNvSpPr txBox="1"/>
+          <p:nvPr/>
+        </p:nvSpPr>
+        <p:spPr>
+          <a:xfrm>
+            <a:off x="157354" y="5202632"/>
+            <a:ext cx="2424978" cy="369332"/>
+          </a:xfrm>
+          <a:prstGeom prst="rect">
+            <a:avLst/>
+          </a:prstGeom>
+          <a:noFill/>
+        </p:spPr>
+        <p:txBody>
+          <a:bodyPr wrap="square" rtlCol="0">
+            <a:spAutoFit/>
+          </a:bodyPr>
+          <a:lstStyle/>
+          <a:p>
+            <a:r>
+              <a:rPr lang="de-DE" dirty="0">
+                <a:solidFill>
+                  <a:schemeClr val="bg1"/>
+                </a:solidFill>
+              </a:rPr>
+              <a:t>Question in </a:t>
+            </a:r>
+            <a:r>
+              <a:rPr lang="de-DE" dirty="0" err="1">
+                <a:solidFill>
+                  <a:schemeClr val="bg1"/>
+                </a:solidFill>
+              </a:rPr>
+              <a:t>plain</a:t>
+            </a:r>
+            <a:r>
+              <a:rPr lang="de-DE" dirty="0">
+                <a:solidFill>
+                  <a:schemeClr val="bg1"/>
+                </a:solidFill>
+              </a:rPr>
+              <a:t> </a:t>
+            </a:r>
+            <a:r>
+              <a:rPr lang="de-DE" dirty="0" err="1">
+                <a:solidFill>
+                  <a:schemeClr val="bg1"/>
+                </a:solidFill>
+              </a:rPr>
+              <a:t>text</a:t>
+            </a:r>
+            <a:endParaRPr lang="en-US" dirty="0">
+              <a:solidFill>
+                <a:schemeClr val="bg1"/>
+              </a:solidFill>
+            </a:endParaRPr>
+          </a:p>
+        </p:txBody>
+      </p:sp>
+      <p:sp>
+        <p:nvSpPr>
+          <p:cNvPr id="16" name="Textfeld 15">
+            <a:extLst>
+              <a:ext uri="{FF2B5EF4-FFF2-40B4-BE49-F238E27FC236}">
+                <a16:creationId xmlns:a16="http://schemas.microsoft.com/office/drawing/2014/main" id="{BF2D4C63-BD2B-4C93-9E7F-07E7F221F232}"/>
+              </a:ext>
+            </a:extLst>
+          </p:cNvPr>
+          <p:cNvSpPr txBox="1"/>
+          <p:nvPr/>
+        </p:nvSpPr>
+        <p:spPr>
+          <a:xfrm>
+            <a:off x="3119965" y="5202632"/>
+            <a:ext cx="3327400" cy="646331"/>
+          </a:xfrm>
+          <a:prstGeom prst="rect">
+            <a:avLst/>
+          </a:prstGeom>
+          <a:noFill/>
+        </p:spPr>
+        <p:txBody>
+          <a:bodyPr wrap="square" rtlCol="0">
+            <a:spAutoFit/>
+          </a:bodyPr>
+          <a:lstStyle/>
+          <a:p>
+            <a:r>
+              <a:rPr lang="de-DE" dirty="0">
+                <a:solidFill>
+                  <a:schemeClr val="bg1"/>
+                </a:solidFill>
+              </a:rPr>
+              <a:t>Prompt </a:t>
+            </a:r>
+            <a:r>
+              <a:rPr lang="de-DE" dirty="0" err="1">
+                <a:solidFill>
+                  <a:schemeClr val="bg1"/>
+                </a:solidFill>
+              </a:rPr>
+              <a:t>is</a:t>
+            </a:r>
+            <a:r>
+              <a:rPr lang="de-DE" dirty="0">
+                <a:solidFill>
+                  <a:schemeClr val="bg1"/>
+                </a:solidFill>
+              </a:rPr>
+              <a:t> </a:t>
+            </a:r>
+            <a:r>
+              <a:rPr lang="de-DE" dirty="0" err="1">
+                <a:solidFill>
+                  <a:schemeClr val="bg1"/>
+                </a:solidFill>
+              </a:rPr>
+              <a:t>transformed</a:t>
+            </a:r>
+            <a:r>
+              <a:rPr lang="de-DE" dirty="0">
+                <a:solidFill>
+                  <a:schemeClr val="bg1"/>
+                </a:solidFill>
+              </a:rPr>
+              <a:t> </a:t>
+            </a:r>
+            <a:r>
+              <a:rPr lang="de-DE" dirty="0" err="1">
+                <a:solidFill>
+                  <a:schemeClr val="bg1"/>
+                </a:solidFill>
+              </a:rPr>
+              <a:t>into</a:t>
+            </a:r>
+            <a:r>
+              <a:rPr lang="de-DE" dirty="0">
+                <a:solidFill>
+                  <a:schemeClr val="bg1"/>
+                </a:solidFill>
+              </a:rPr>
+              <a:t> an </a:t>
+            </a:r>
+            <a:r>
+              <a:rPr lang="de-DE" dirty="0" err="1">
+                <a:solidFill>
+                  <a:schemeClr val="bg1"/>
+                </a:solidFill>
+              </a:rPr>
+              <a:t>embedding</a:t>
+            </a:r>
+            <a:r>
+              <a:rPr lang="de-DE" dirty="0">
+                <a:solidFill>
+                  <a:schemeClr val="bg1"/>
+                </a:solidFill>
+              </a:rPr>
+              <a:t> </a:t>
+            </a:r>
+            <a:r>
+              <a:rPr lang="de-DE" dirty="0" err="1">
+                <a:solidFill>
+                  <a:schemeClr val="bg1"/>
+                </a:solidFill>
+              </a:rPr>
+              <a:t>vector</a:t>
+            </a:r>
+            <a:endParaRPr lang="en-US" dirty="0">
+              <a:solidFill>
+                <a:schemeClr val="bg1"/>
+              </a:solidFill>
+            </a:endParaRPr>
+          </a:p>
+        </p:txBody>
+      </p:sp>
+      <p:sp>
+        <p:nvSpPr>
+          <p:cNvPr id="17" name="Textfeld 16">
+            <a:extLst>
+              <a:ext uri="{FF2B5EF4-FFF2-40B4-BE49-F238E27FC236}">
+                <a16:creationId xmlns:a16="http://schemas.microsoft.com/office/drawing/2014/main" id="{811719D6-0DDC-4C78-A3F9-5A38E4898FA4}"/>
+              </a:ext>
+            </a:extLst>
+          </p:cNvPr>
+          <p:cNvSpPr txBox="1"/>
+          <p:nvPr/>
+        </p:nvSpPr>
+        <p:spPr>
+          <a:xfrm>
+            <a:off x="7869653" y="5202631"/>
+            <a:ext cx="3718519" cy="646331"/>
+          </a:xfrm>
+          <a:prstGeom prst="rect">
+            <a:avLst/>
+          </a:prstGeom>
+          <a:noFill/>
+        </p:spPr>
+        <p:txBody>
+          <a:bodyPr wrap="square" rtlCol="0">
+            <a:spAutoFit/>
+          </a:bodyPr>
+          <a:lstStyle/>
+          <a:p>
+            <a:r>
+              <a:rPr lang="de-DE" dirty="0">
+                <a:solidFill>
+                  <a:schemeClr val="bg1"/>
+                </a:solidFill>
+              </a:rPr>
+              <a:t>The </a:t>
+            </a:r>
+            <a:r>
+              <a:rPr lang="de-DE" dirty="0" err="1">
+                <a:solidFill>
+                  <a:schemeClr val="bg1"/>
+                </a:solidFill>
+              </a:rPr>
+              <a:t>most</a:t>
+            </a:r>
+            <a:r>
+              <a:rPr lang="de-DE" dirty="0">
+                <a:solidFill>
+                  <a:schemeClr val="bg1"/>
+                </a:solidFill>
+              </a:rPr>
+              <a:t> </a:t>
+            </a:r>
+            <a:r>
+              <a:rPr lang="de-DE" dirty="0" err="1">
+                <a:solidFill>
+                  <a:schemeClr val="bg1"/>
+                </a:solidFill>
+              </a:rPr>
+              <a:t>similar</a:t>
+            </a:r>
+            <a:r>
+              <a:rPr lang="de-DE" dirty="0">
+                <a:solidFill>
+                  <a:schemeClr val="bg1"/>
+                </a:solidFill>
+              </a:rPr>
+              <a:t> </a:t>
+            </a:r>
+            <a:r>
+              <a:rPr lang="de-DE" dirty="0" err="1">
+                <a:solidFill>
+                  <a:schemeClr val="bg1"/>
+                </a:solidFill>
+              </a:rPr>
+              <a:t>entry</a:t>
+            </a:r>
+            <a:r>
+              <a:rPr lang="de-DE" dirty="0">
+                <a:solidFill>
+                  <a:schemeClr val="bg1"/>
+                </a:solidFill>
+              </a:rPr>
+              <a:t> / </a:t>
+            </a:r>
+            <a:r>
+              <a:rPr lang="de-DE" dirty="0" err="1">
+                <a:solidFill>
+                  <a:schemeClr val="bg1"/>
+                </a:solidFill>
+              </a:rPr>
+              <a:t>entries</a:t>
+            </a:r>
+            <a:r>
+              <a:rPr lang="de-DE" dirty="0">
+                <a:solidFill>
+                  <a:schemeClr val="bg1"/>
+                </a:solidFill>
+              </a:rPr>
+              <a:t> </a:t>
+            </a:r>
+            <a:r>
+              <a:rPr lang="de-DE" dirty="0" err="1">
+                <a:solidFill>
+                  <a:schemeClr val="bg1"/>
+                </a:solidFill>
+              </a:rPr>
+              <a:t>is</a:t>
+            </a:r>
+            <a:r>
+              <a:rPr lang="de-DE" dirty="0">
+                <a:solidFill>
+                  <a:schemeClr val="bg1"/>
+                </a:solidFill>
+              </a:rPr>
+              <a:t> </a:t>
+            </a:r>
+            <a:r>
+              <a:rPr lang="de-DE" dirty="0" err="1">
+                <a:solidFill>
+                  <a:schemeClr val="bg1"/>
+                </a:solidFill>
+              </a:rPr>
+              <a:t>retrieved</a:t>
+            </a:r>
+            <a:r>
+              <a:rPr lang="de-DE" dirty="0">
+                <a:solidFill>
+                  <a:schemeClr val="bg1"/>
+                </a:solidFill>
+              </a:rPr>
+              <a:t> </a:t>
+            </a:r>
+            <a:r>
+              <a:rPr lang="de-DE" dirty="0" err="1">
+                <a:solidFill>
+                  <a:schemeClr val="bg1"/>
+                </a:solidFill>
+              </a:rPr>
+              <a:t>from</a:t>
+            </a:r>
+            <a:r>
+              <a:rPr lang="de-DE" dirty="0">
+                <a:solidFill>
+                  <a:schemeClr val="bg1"/>
+                </a:solidFill>
+              </a:rPr>
+              <a:t> </a:t>
+            </a:r>
+            <a:r>
+              <a:rPr lang="de-DE" dirty="0" err="1">
+                <a:solidFill>
+                  <a:schemeClr val="bg1"/>
+                </a:solidFill>
+              </a:rPr>
+              <a:t>the</a:t>
+            </a:r>
+            <a:r>
+              <a:rPr lang="de-DE" dirty="0">
+                <a:solidFill>
+                  <a:schemeClr val="bg1"/>
+                </a:solidFill>
+              </a:rPr>
+              <a:t> </a:t>
+            </a:r>
+            <a:r>
+              <a:rPr lang="de-DE" dirty="0" err="1">
+                <a:solidFill>
+                  <a:schemeClr val="bg1"/>
+                </a:solidFill>
+              </a:rPr>
+              <a:t>database</a:t>
+            </a:r>
+            <a:endParaRPr lang="en-US" dirty="0">
+              <a:solidFill>
+                <a:schemeClr val="bg1"/>
+              </a:solidFill>
+            </a:endParaRPr>
+          </a:p>
+        </p:txBody>
+      </p:sp>
+      <p:sp>
+        <p:nvSpPr>
+          <p:cNvPr id="2" name="Rechteck 1">
+            <a:extLst>
+              <a:ext uri="{FF2B5EF4-FFF2-40B4-BE49-F238E27FC236}">
+                <a16:creationId xmlns:a16="http://schemas.microsoft.com/office/drawing/2014/main" id="{B437952C-F18A-42F6-8847-9A0B2CAFF8CC}"/>
+              </a:ext>
+            </a:extLst>
+          </p:cNvPr>
+          <p:cNvSpPr/>
+          <p:nvPr/>
+        </p:nvSpPr>
+        <p:spPr>
+          <a:xfrm>
+            <a:off x="8051800" y="2286187"/>
+            <a:ext cx="3939198" cy="627878"/>
+          </a:xfrm>
+          <a:prstGeom prst="rect">
+            <a:avLst/>
+          </a:prstGeom>
+          <a:noFill/>
+          <a:ln>
+            <a:solidFill>
+              <a:srgbClr val="FF0000"/>
+            </a:solidFill>
+          </a:ln>
+        </p:spPr>
+        <p:style>
+          <a:lnRef idx="2">
+            <a:schemeClr val="accent1">
+              <a:shade val="50000"/>
+            </a:schemeClr>
+          </a:lnRef>
+          <a:fillRef idx="1">
+            <a:schemeClr val="accent1"/>
+          </a:fillRef>
+          <a:effectRef idx="0">
+            <a:schemeClr val="accent1"/>
+          </a:effectRef>
+          <a:fontRef idx="minor">
+            <a:schemeClr val="lt1"/>
+          </a:fontRef>
+        </p:style>
+        <p:txBody>
+          <a:bodyPr rtlCol="0" anchor="ctr"/>
+          <a:lstStyle/>
+          <a:p>
+            <a:pPr algn="ctr"/>
+            <a:endParaRPr lang="en-US"/>
+          </a:p>
+        </p:txBody>
+      </p:sp>
+    </p:spTree>
+    <p:extLst>
+      <p:ext uri="{BB962C8B-B14F-4D97-AF65-F5344CB8AC3E}">
+        <p14:creationId xmlns:p14="http://schemas.microsoft.com/office/powerpoint/2010/main" val="3467703789"/>
+      </p:ext>
+    </p:extLst>
+  </p:cSld>
+  <p:clrMapOvr>
+    <a:masterClrMapping/>
+  </p:clrMapOvr>
+</p:sld>
+</file>
+
+<file path=ppt/slides/slide3.xml><?xml version="1.0" encoding="utf-8"?>
+<p:sld xmlns:a="http://schemas.openxmlformats.org/drawingml/2006/main" xmlns:r="http://schemas.openxmlformats.org/officeDocument/2006/relationships" xmlns:p="http://schemas.openxmlformats.org/presentationml/2006/main">
+  <p:cSld>
+    <p:spTree>
+      <p:nvGrpSpPr>
+        <p:cNvPr id="1" name=""/>
+        <p:cNvGrpSpPr/>
+        <p:nvPr/>
+      </p:nvGrpSpPr>
+      <p:grpSpPr>
+        <a:xfrm>
+          <a:off x="0" y="0"/>
+          <a:ext cx="0" cy="0"/>
+          <a:chOff x="0" y="0"/>
+          <a:chExt cx="0" cy="0"/>
+        </a:xfrm>
+      </p:grpSpPr>
+      <p:sp>
+        <p:nvSpPr>
+          <p:cNvPr id="5" name="Textfeld 4">
+            <a:extLst>
+              <a:ext uri="{FF2B5EF4-FFF2-40B4-BE49-F238E27FC236}">
+                <a16:creationId xmlns:a16="http://schemas.microsoft.com/office/drawing/2014/main" id="{60EC8BC6-6D25-47CD-9E8E-8267EBF24013}"/>
+              </a:ext>
+            </a:extLst>
+          </p:cNvPr>
+          <p:cNvSpPr txBox="1"/>
+          <p:nvPr/>
+        </p:nvSpPr>
+        <p:spPr>
+          <a:xfrm>
+            <a:off x="53865" y="1776825"/>
+            <a:ext cx="4408068" cy="1615827"/>
+          </a:xfrm>
+          <a:prstGeom prst="rect">
+            <a:avLst/>
+          </a:prstGeom>
+          <a:noFill/>
+        </p:spPr>
+        <p:txBody>
+          <a:bodyPr wrap="square" rtlCol="0">
+            <a:spAutoFit/>
+          </a:bodyPr>
+          <a:lstStyle/>
+          <a:p>
+            <a:r>
+              <a:rPr lang="en-US" sz="1100" dirty="0">
+                <a:solidFill>
+                  <a:srgbClr val="CE70D6"/>
+                </a:solidFill>
+                <a:latin typeface="Consolas" panose="020B0609020204030204" pitchFamily="49" charset="0"/>
+              </a:rPr>
+              <a:t>{</a:t>
+            </a:r>
+          </a:p>
+          <a:p>
+            <a:r>
+              <a:rPr lang="en-US" sz="1100" dirty="0">
+                <a:solidFill>
+                  <a:srgbClr val="CCCCCC"/>
+                </a:solidFill>
+                <a:latin typeface="Consolas" panose="020B0609020204030204" pitchFamily="49" charset="0"/>
+              </a:rPr>
+              <a:t>    </a:t>
+            </a:r>
+            <a:r>
+              <a:rPr lang="en-US" sz="1100" dirty="0">
+                <a:solidFill>
+                  <a:srgbClr val="9CDCFE"/>
+                </a:solidFill>
+                <a:latin typeface="Consolas" panose="020B0609020204030204" pitchFamily="49" charset="0"/>
+              </a:rPr>
+              <a:t>"id"</a:t>
+            </a:r>
+            <a:r>
+              <a:rPr lang="en-US" sz="1100" dirty="0">
+                <a:solidFill>
+                  <a:srgbClr val="CCCCCC"/>
+                </a:solidFill>
+                <a:latin typeface="Consolas" panose="020B0609020204030204" pitchFamily="49" charset="0"/>
+              </a:rPr>
+              <a:t>: </a:t>
+            </a:r>
+            <a:r>
+              <a:rPr lang="en-US" sz="1100" dirty="0">
+                <a:solidFill>
+                  <a:srgbClr val="CE9178"/>
+                </a:solidFill>
+                <a:latin typeface="Consolas" panose="020B0609020204030204" pitchFamily="49" charset="0"/>
+              </a:rPr>
+              <a:t>"6b0b2389736b40379882d172e3de1613"</a:t>
+            </a:r>
+            <a:r>
+              <a:rPr lang="en-US" sz="1100" dirty="0">
+                <a:solidFill>
+                  <a:srgbClr val="CCCCCC"/>
+                </a:solidFill>
+                <a:latin typeface="Consolas" panose="020B0609020204030204" pitchFamily="49" charset="0"/>
+              </a:rPr>
+              <a:t>,</a:t>
+            </a:r>
+          </a:p>
+          <a:p>
+            <a:r>
+              <a:rPr lang="en-US" sz="1100" dirty="0">
+                <a:solidFill>
+                  <a:srgbClr val="CCCCCC"/>
+                </a:solidFill>
+                <a:latin typeface="Consolas" panose="020B0609020204030204" pitchFamily="49" charset="0"/>
+              </a:rPr>
+              <a:t>    </a:t>
+            </a:r>
+            <a:r>
+              <a:rPr lang="en-US" sz="1100" dirty="0">
+                <a:solidFill>
+                  <a:srgbClr val="9CDCFE"/>
+                </a:solidFill>
+                <a:latin typeface="Consolas" panose="020B0609020204030204" pitchFamily="49" charset="0"/>
+              </a:rPr>
+              <a:t>"content"</a:t>
+            </a:r>
+            <a:r>
+              <a:rPr lang="en-US" sz="1100" dirty="0">
+                <a:solidFill>
+                  <a:srgbClr val="CCCCCC"/>
+                </a:solidFill>
+                <a:latin typeface="Consolas" panose="020B0609020204030204" pitchFamily="49" charset="0"/>
+              </a:rPr>
+              <a:t>: [</a:t>
+            </a:r>
+            <a:r>
+              <a:rPr lang="en-US" sz="1100" dirty="0">
+                <a:solidFill>
+                  <a:srgbClr val="B5CEA8"/>
+                </a:solidFill>
+                <a:latin typeface="Consolas" panose="020B0609020204030204" pitchFamily="49" charset="0"/>
+              </a:rPr>
+              <a:t>0.5</a:t>
+            </a:r>
+            <a:r>
+              <a:rPr lang="en-US" sz="1100" dirty="0">
+                <a:solidFill>
+                  <a:srgbClr val="CCCCCC"/>
+                </a:solidFill>
+                <a:latin typeface="Consolas" panose="020B0609020204030204" pitchFamily="49" charset="0"/>
+              </a:rPr>
+              <a:t>, </a:t>
+            </a:r>
+            <a:r>
+              <a:rPr lang="en-US" sz="1100" dirty="0">
+                <a:solidFill>
+                  <a:srgbClr val="B5CEA8"/>
+                </a:solidFill>
+                <a:latin typeface="Consolas" panose="020B0609020204030204" pitchFamily="49" charset="0"/>
+              </a:rPr>
+              <a:t>0.8</a:t>
+            </a:r>
+            <a:r>
+              <a:rPr lang="en-US" sz="1100" dirty="0">
+                <a:solidFill>
+                  <a:srgbClr val="CCCCCC"/>
+                </a:solidFill>
+                <a:latin typeface="Consolas" panose="020B0609020204030204" pitchFamily="49" charset="0"/>
+              </a:rPr>
+              <a:t>, </a:t>
+            </a:r>
+            <a:r>
+              <a:rPr lang="en-US" sz="1100" dirty="0">
+                <a:solidFill>
+                  <a:srgbClr val="B5CEA8"/>
+                </a:solidFill>
+                <a:latin typeface="Consolas" panose="020B0609020204030204" pitchFamily="49" charset="0"/>
+              </a:rPr>
+              <a:t>-0.1</a:t>
+            </a:r>
+            <a:r>
+              <a:rPr lang="en-US" sz="1100" dirty="0">
+                <a:solidFill>
+                  <a:srgbClr val="CCCCCC"/>
+                </a:solidFill>
+                <a:latin typeface="Consolas" panose="020B0609020204030204" pitchFamily="49" charset="0"/>
+              </a:rPr>
+              <a:t>, </a:t>
+            </a:r>
+            <a:r>
+              <a:rPr lang="en-US" sz="1100" dirty="0">
+                <a:solidFill>
+                  <a:srgbClr val="B5CEA8"/>
+                </a:solidFill>
+                <a:latin typeface="Consolas" panose="020B0609020204030204" pitchFamily="49" charset="0"/>
+              </a:rPr>
+              <a:t>0.2</a:t>
+            </a:r>
+            <a:r>
+              <a:rPr lang="en-US" sz="1100" dirty="0">
+                <a:solidFill>
+                  <a:srgbClr val="CCCCCC"/>
+                </a:solidFill>
+                <a:latin typeface="Consolas" panose="020B0609020204030204" pitchFamily="49" charset="0"/>
+              </a:rPr>
+              <a:t>, </a:t>
+            </a:r>
+            <a:r>
+              <a:rPr lang="en-US" sz="1100" dirty="0">
+                <a:solidFill>
+                  <a:srgbClr val="B5CEA8"/>
+                </a:solidFill>
+                <a:latin typeface="Consolas" panose="020B0609020204030204" pitchFamily="49" charset="0"/>
+              </a:rPr>
+              <a:t>-0.6</a:t>
+            </a:r>
+            <a:r>
+              <a:rPr lang="en-US" sz="1100" dirty="0">
+                <a:solidFill>
+                  <a:srgbClr val="CCCCCC"/>
+                </a:solidFill>
+                <a:latin typeface="Consolas" panose="020B0609020204030204" pitchFamily="49" charset="0"/>
+              </a:rPr>
+              <a:t>, </a:t>
+            </a:r>
+            <a:r>
+              <a:rPr lang="en-US" sz="1100" dirty="0">
+                <a:solidFill>
+                  <a:srgbClr val="B5CEA8"/>
+                </a:solidFill>
+                <a:latin typeface="Consolas" panose="020B0609020204030204" pitchFamily="49" charset="0"/>
+              </a:rPr>
+              <a:t>-0.5</a:t>
+            </a:r>
+            <a:r>
+              <a:rPr lang="en-US" sz="1100" dirty="0">
+                <a:solidFill>
+                  <a:srgbClr val="CCCCCC"/>
+                </a:solidFill>
+                <a:latin typeface="Consolas" panose="020B0609020204030204" pitchFamily="49" charset="0"/>
+              </a:rPr>
+              <a:t>, </a:t>
+            </a:r>
+            <a:r>
+              <a:rPr lang="en-US" sz="1100" dirty="0">
+                <a:solidFill>
+                  <a:srgbClr val="B5CEA8"/>
+                </a:solidFill>
+                <a:latin typeface="Consolas" panose="020B0609020204030204" pitchFamily="49" charset="0"/>
+              </a:rPr>
+              <a:t>-0.1</a:t>
+            </a:r>
+            <a:r>
+              <a:rPr lang="en-US" sz="1100" dirty="0">
+                <a:solidFill>
+                  <a:srgbClr val="CCCCCC"/>
+                </a:solidFill>
+                <a:latin typeface="Consolas" panose="020B0609020204030204" pitchFamily="49" charset="0"/>
+              </a:rPr>
+              <a:t>]</a:t>
+            </a:r>
+          </a:p>
+          <a:p>
+            <a:r>
+              <a:rPr lang="en-US" sz="1100" dirty="0">
+                <a:solidFill>
+                  <a:srgbClr val="CE70D6"/>
+                </a:solidFill>
+                <a:latin typeface="Consolas" panose="020B0609020204030204" pitchFamily="49" charset="0"/>
+              </a:rPr>
+              <a:t>}</a:t>
+            </a:r>
+            <a:endParaRPr lang="de-DE" sz="1100" dirty="0">
+              <a:solidFill>
+                <a:srgbClr val="CE70D6"/>
+              </a:solidFill>
+              <a:latin typeface="Consolas" panose="020B0609020204030204" pitchFamily="49" charset="0"/>
+            </a:endParaRPr>
+          </a:p>
+          <a:p>
+            <a:endParaRPr lang="de-DE" sz="1100" dirty="0">
+              <a:solidFill>
+                <a:srgbClr val="CE70D6"/>
+              </a:solidFill>
+              <a:latin typeface="Consolas" panose="020B0609020204030204" pitchFamily="49" charset="0"/>
+            </a:endParaRPr>
+          </a:p>
+          <a:p>
+            <a:r>
+              <a:rPr lang="en-US" sz="1100" dirty="0">
+                <a:solidFill>
+                  <a:srgbClr val="CE70D6"/>
+                </a:solidFill>
+                <a:latin typeface="Consolas" panose="020B0609020204030204" pitchFamily="49" charset="0"/>
+              </a:rPr>
+              <a:t>{</a:t>
+            </a:r>
+          </a:p>
+          <a:p>
+            <a:r>
+              <a:rPr lang="en-US" sz="1100" dirty="0">
+                <a:solidFill>
+                  <a:srgbClr val="CCCCCC"/>
+                </a:solidFill>
+                <a:latin typeface="Consolas" panose="020B0609020204030204" pitchFamily="49" charset="0"/>
+              </a:rPr>
+              <a:t>    </a:t>
+            </a:r>
+            <a:r>
+              <a:rPr lang="en-US" sz="1100" dirty="0">
+                <a:solidFill>
+                  <a:srgbClr val="9CDCFE"/>
+                </a:solidFill>
+                <a:latin typeface="Consolas" panose="020B0609020204030204" pitchFamily="49" charset="0"/>
+              </a:rPr>
+              <a:t>"id"</a:t>
+            </a:r>
+            <a:r>
+              <a:rPr lang="en-US" sz="1100" dirty="0">
+                <a:solidFill>
+                  <a:srgbClr val="CCCCCC"/>
+                </a:solidFill>
+                <a:latin typeface="Consolas" panose="020B0609020204030204" pitchFamily="49" charset="0"/>
+              </a:rPr>
+              <a:t>: </a:t>
+            </a:r>
+            <a:r>
+              <a:rPr lang="en-US" sz="1100" dirty="0">
+                <a:solidFill>
+                  <a:srgbClr val="CE9178"/>
+                </a:solidFill>
+                <a:latin typeface="Consolas" panose="020B0609020204030204" pitchFamily="49" charset="0"/>
+              </a:rPr>
+              <a:t>"6b0b2389736b40379882d172e3de1613"</a:t>
+            </a:r>
+            <a:r>
+              <a:rPr lang="en-US" sz="1100" dirty="0">
+                <a:solidFill>
+                  <a:srgbClr val="CCCCCC"/>
+                </a:solidFill>
+                <a:latin typeface="Consolas" panose="020B0609020204030204" pitchFamily="49" charset="0"/>
+              </a:rPr>
+              <a:t>,</a:t>
+            </a:r>
+          </a:p>
+          <a:p>
+            <a:r>
+              <a:rPr lang="en-US" sz="1100" dirty="0">
+                <a:solidFill>
+                  <a:srgbClr val="CCCCCC"/>
+                </a:solidFill>
+                <a:latin typeface="Consolas" panose="020B0609020204030204" pitchFamily="49" charset="0"/>
+              </a:rPr>
+              <a:t>    </a:t>
+            </a:r>
+            <a:r>
+              <a:rPr lang="en-US" sz="1100" dirty="0">
+                <a:solidFill>
+                  <a:srgbClr val="9CDCFE"/>
+                </a:solidFill>
+                <a:latin typeface="Consolas" panose="020B0609020204030204" pitchFamily="49" charset="0"/>
+              </a:rPr>
+              <a:t>"content"</a:t>
+            </a:r>
+            <a:r>
+              <a:rPr lang="en-US" sz="1100" dirty="0">
+                <a:solidFill>
+                  <a:srgbClr val="CCCCCC"/>
+                </a:solidFill>
+                <a:latin typeface="Consolas" panose="020B0609020204030204" pitchFamily="49" charset="0"/>
+              </a:rPr>
+              <a:t>: </a:t>
+            </a:r>
+            <a:r>
+              <a:rPr lang="en-US" sz="1100" dirty="0">
+                <a:solidFill>
+                  <a:srgbClr val="CE9178"/>
+                </a:solidFill>
+                <a:latin typeface="Consolas" panose="020B0609020204030204" pitchFamily="49" charset="0"/>
+              </a:rPr>
+              <a:t>"Paragraph2“</a:t>
+            </a:r>
+            <a:endParaRPr lang="en-US" sz="1100" dirty="0">
+              <a:solidFill>
+                <a:srgbClr val="CCCCCC"/>
+              </a:solidFill>
+              <a:latin typeface="Consolas" panose="020B0609020204030204" pitchFamily="49" charset="0"/>
+            </a:endParaRPr>
+          </a:p>
+          <a:p>
+            <a:r>
+              <a:rPr lang="en-US" sz="1100" dirty="0">
+                <a:solidFill>
+                  <a:srgbClr val="CE70D6"/>
+                </a:solidFill>
+                <a:latin typeface="Consolas" panose="020B0609020204030204" pitchFamily="49" charset="0"/>
+              </a:rPr>
+              <a:t>}</a:t>
+            </a:r>
+            <a:endParaRPr lang="en-US" sz="1100" dirty="0">
+              <a:solidFill>
+                <a:srgbClr val="CCCCCC"/>
+              </a:solidFill>
+              <a:latin typeface="Consolas" panose="020B0609020204030204" pitchFamily="49" charset="0"/>
+            </a:endParaRPr>
+          </a:p>
+        </p:txBody>
+      </p:sp>
+      <p:sp>
+        <p:nvSpPr>
+          <p:cNvPr id="8" name="Textfeld 7">
+            <a:extLst>
+              <a:ext uri="{FF2B5EF4-FFF2-40B4-BE49-F238E27FC236}">
+                <a16:creationId xmlns:a16="http://schemas.microsoft.com/office/drawing/2014/main" id="{B71F180E-4F54-4C79-92CE-CABA7DE3A3EB}"/>
+              </a:ext>
+            </a:extLst>
+          </p:cNvPr>
+          <p:cNvSpPr txBox="1"/>
+          <p:nvPr/>
+        </p:nvSpPr>
+        <p:spPr>
+          <a:xfrm>
+            <a:off x="3510708" y="-2378"/>
+            <a:ext cx="5170583" cy="830997"/>
+          </a:xfrm>
+          <a:prstGeom prst="rect">
+            <a:avLst/>
+          </a:prstGeom>
+          <a:noFill/>
+        </p:spPr>
+        <p:txBody>
+          <a:bodyPr wrap="none" rtlCol="0">
+            <a:spAutoFit/>
+          </a:bodyPr>
+          <a:lstStyle/>
+          <a:p>
+            <a:r>
+              <a:rPr lang="de-DE" sz="4800" dirty="0">
+                <a:solidFill>
+                  <a:schemeClr val="bg1"/>
+                </a:solidFill>
+              </a:rPr>
+              <a:t>Generation </a:t>
+            </a:r>
+            <a:r>
+              <a:rPr lang="de-DE" sz="4800" dirty="0" err="1">
+                <a:solidFill>
+                  <a:schemeClr val="bg1"/>
+                </a:solidFill>
+              </a:rPr>
+              <a:t>Process</a:t>
+            </a:r>
+            <a:endParaRPr lang="en-US" sz="4800" dirty="0">
+              <a:solidFill>
+                <a:schemeClr val="bg1"/>
+              </a:solidFill>
+            </a:endParaRPr>
+          </a:p>
+        </p:txBody>
+      </p:sp>
+      <p:sp>
+        <p:nvSpPr>
+          <p:cNvPr id="9" name="Textfeld 8">
+            <a:extLst>
+              <a:ext uri="{FF2B5EF4-FFF2-40B4-BE49-F238E27FC236}">
+                <a16:creationId xmlns:a16="http://schemas.microsoft.com/office/drawing/2014/main" id="{6B06F02A-6308-4598-B271-EE341E6B834A}"/>
+              </a:ext>
+            </a:extLst>
+          </p:cNvPr>
+          <p:cNvSpPr txBox="1"/>
+          <p:nvPr/>
+        </p:nvSpPr>
+        <p:spPr>
+          <a:xfrm rot="5400000">
+            <a:off x="2050150" y="2400072"/>
+            <a:ext cx="415498" cy="369332"/>
+          </a:xfrm>
+          <a:prstGeom prst="rect">
+            <a:avLst/>
+          </a:prstGeom>
+          <a:noFill/>
+        </p:spPr>
+        <p:txBody>
+          <a:bodyPr wrap="none" rtlCol="0">
+            <a:spAutoFit/>
+          </a:bodyPr>
+          <a:lstStyle/>
+          <a:p>
+            <a:r>
+              <a:rPr lang="de-DE" dirty="0">
+                <a:solidFill>
+                  <a:schemeClr val="bg1"/>
+                </a:solidFill>
+              </a:rPr>
+              <a:t>=&gt;</a:t>
+            </a:r>
+            <a:endParaRPr lang="en-US" dirty="0">
+              <a:solidFill>
+                <a:schemeClr val="bg1"/>
+              </a:solidFill>
+            </a:endParaRPr>
+          </a:p>
+        </p:txBody>
+      </p:sp>
+      <p:sp>
+        <p:nvSpPr>
+          <p:cNvPr id="10" name="Textfeld 9">
+            <a:extLst>
+              <a:ext uri="{FF2B5EF4-FFF2-40B4-BE49-F238E27FC236}">
+                <a16:creationId xmlns:a16="http://schemas.microsoft.com/office/drawing/2014/main" id="{4B89B5E1-9E90-4546-BB73-4D71442833AD}"/>
+              </a:ext>
+            </a:extLst>
+          </p:cNvPr>
+          <p:cNvSpPr txBox="1"/>
+          <p:nvPr/>
+        </p:nvSpPr>
+        <p:spPr>
+          <a:xfrm>
+            <a:off x="5583450" y="2397815"/>
+            <a:ext cx="415498" cy="369332"/>
+          </a:xfrm>
+          <a:prstGeom prst="rect">
+            <a:avLst/>
+          </a:prstGeom>
+          <a:noFill/>
+        </p:spPr>
+        <p:txBody>
+          <a:bodyPr wrap="none" rtlCol="0">
+            <a:spAutoFit/>
+          </a:bodyPr>
+          <a:lstStyle/>
+          <a:p>
+            <a:r>
+              <a:rPr lang="de-DE" dirty="0">
+                <a:solidFill>
+                  <a:schemeClr val="bg1"/>
+                </a:solidFill>
+              </a:rPr>
+              <a:t>=&gt;</a:t>
+            </a:r>
+            <a:endParaRPr lang="en-US" dirty="0">
+              <a:solidFill>
+                <a:schemeClr val="bg1"/>
+              </a:solidFill>
+            </a:endParaRPr>
+          </a:p>
+        </p:txBody>
+      </p:sp>
+      <p:sp>
+        <p:nvSpPr>
+          <p:cNvPr id="11" name="Textfeld 10">
+            <a:extLst>
+              <a:ext uri="{FF2B5EF4-FFF2-40B4-BE49-F238E27FC236}">
+                <a16:creationId xmlns:a16="http://schemas.microsoft.com/office/drawing/2014/main" id="{3F9A828F-D35C-49D7-926D-F9CB96C37EA4}"/>
+              </a:ext>
+            </a:extLst>
+          </p:cNvPr>
+          <p:cNvSpPr txBox="1"/>
+          <p:nvPr/>
+        </p:nvSpPr>
+        <p:spPr>
+          <a:xfrm>
+            <a:off x="157354" y="4594775"/>
+            <a:ext cx="2435923" cy="584775"/>
+          </a:xfrm>
+          <a:prstGeom prst="rect">
+            <a:avLst/>
+          </a:prstGeom>
+          <a:noFill/>
+        </p:spPr>
+        <p:txBody>
+          <a:bodyPr wrap="none" rtlCol="0">
+            <a:spAutoFit/>
+          </a:bodyPr>
+          <a:lstStyle/>
+          <a:p>
+            <a:r>
+              <a:rPr lang="de-DE" sz="3200" dirty="0">
+                <a:solidFill>
+                  <a:schemeClr val="bg1"/>
+                </a:solidFill>
+              </a:rPr>
+              <a:t>Text </a:t>
+            </a:r>
+            <a:r>
+              <a:rPr lang="de-DE" sz="3200" dirty="0" err="1">
+                <a:solidFill>
+                  <a:schemeClr val="bg1"/>
+                </a:solidFill>
+              </a:rPr>
+              <a:t>retrieval</a:t>
+            </a:r>
+            <a:endParaRPr lang="en-US" sz="3200" dirty="0">
+              <a:solidFill>
+                <a:schemeClr val="bg1"/>
+              </a:solidFill>
+            </a:endParaRPr>
+          </a:p>
+        </p:txBody>
+      </p:sp>
+      <p:sp>
+        <p:nvSpPr>
+          <p:cNvPr id="13" name="Textfeld 12">
+            <a:extLst>
+              <a:ext uri="{FF2B5EF4-FFF2-40B4-BE49-F238E27FC236}">
+                <a16:creationId xmlns:a16="http://schemas.microsoft.com/office/drawing/2014/main" id="{2EC391C5-3DD7-4700-9E96-D9FD1F537466}"/>
+              </a:ext>
+            </a:extLst>
+          </p:cNvPr>
+          <p:cNvSpPr txBox="1"/>
+          <p:nvPr/>
+        </p:nvSpPr>
+        <p:spPr>
+          <a:xfrm>
+            <a:off x="7925697" y="4594774"/>
+            <a:ext cx="3107197" cy="584775"/>
+          </a:xfrm>
+          <a:prstGeom prst="rect">
+            <a:avLst/>
+          </a:prstGeom>
+          <a:noFill/>
+        </p:spPr>
+        <p:txBody>
+          <a:bodyPr wrap="none" rtlCol="0">
+            <a:spAutoFit/>
+          </a:bodyPr>
+          <a:lstStyle/>
+          <a:p>
+            <a:r>
+              <a:rPr lang="de-DE" sz="3200" dirty="0">
+                <a:solidFill>
+                  <a:schemeClr val="bg1"/>
+                </a:solidFill>
+              </a:rPr>
+              <a:t>LLM </a:t>
+            </a:r>
+            <a:r>
+              <a:rPr lang="de-DE" sz="3200" dirty="0" err="1">
+                <a:solidFill>
+                  <a:schemeClr val="bg1"/>
+                </a:solidFill>
+              </a:rPr>
+              <a:t>interference</a:t>
+            </a:r>
+            <a:endParaRPr lang="en-US" sz="3200" dirty="0">
+              <a:solidFill>
+                <a:schemeClr val="bg1"/>
+              </a:solidFill>
+            </a:endParaRPr>
+          </a:p>
+        </p:txBody>
+      </p:sp>
+      <p:sp>
+        <p:nvSpPr>
+          <p:cNvPr id="15" name="Textfeld 14">
+            <a:extLst>
+              <a:ext uri="{FF2B5EF4-FFF2-40B4-BE49-F238E27FC236}">
+                <a16:creationId xmlns:a16="http://schemas.microsoft.com/office/drawing/2014/main" id="{CE90A48C-A277-4D51-B101-EA5D1B5B0775}"/>
+              </a:ext>
+            </a:extLst>
+          </p:cNvPr>
+          <p:cNvSpPr txBox="1"/>
+          <p:nvPr/>
+        </p:nvSpPr>
+        <p:spPr>
+          <a:xfrm>
+            <a:off x="157354" y="5202632"/>
+            <a:ext cx="2424978" cy="646331"/>
+          </a:xfrm>
+          <a:prstGeom prst="rect">
+            <a:avLst/>
+          </a:prstGeom>
+          <a:noFill/>
+        </p:spPr>
+        <p:txBody>
+          <a:bodyPr wrap="square" rtlCol="0">
+            <a:spAutoFit/>
+          </a:bodyPr>
+          <a:lstStyle/>
+          <a:p>
+            <a:r>
+              <a:rPr lang="de-DE" dirty="0">
+                <a:solidFill>
+                  <a:schemeClr val="bg1"/>
+                </a:solidFill>
+              </a:rPr>
+              <a:t>Retrieval </a:t>
+            </a:r>
+            <a:r>
+              <a:rPr lang="de-DE" dirty="0" err="1">
+                <a:solidFill>
+                  <a:schemeClr val="bg1"/>
+                </a:solidFill>
+              </a:rPr>
+              <a:t>from</a:t>
+            </a:r>
+            <a:r>
+              <a:rPr lang="de-DE" dirty="0">
+                <a:solidFill>
+                  <a:schemeClr val="bg1"/>
+                </a:solidFill>
+              </a:rPr>
+              <a:t> </a:t>
+            </a:r>
+            <a:r>
+              <a:rPr lang="de-DE" dirty="0" err="1">
+                <a:solidFill>
+                  <a:schemeClr val="bg1"/>
+                </a:solidFill>
+              </a:rPr>
+              <a:t>plain</a:t>
+            </a:r>
+            <a:r>
+              <a:rPr lang="de-DE" dirty="0">
+                <a:solidFill>
+                  <a:schemeClr val="bg1"/>
+                </a:solidFill>
+              </a:rPr>
+              <a:t> </a:t>
+            </a:r>
+            <a:r>
+              <a:rPr lang="de-DE" dirty="0" err="1">
+                <a:solidFill>
+                  <a:schemeClr val="bg1"/>
+                </a:solidFill>
+              </a:rPr>
+              <a:t>text</a:t>
+            </a:r>
+            <a:r>
+              <a:rPr lang="de-DE" dirty="0">
+                <a:solidFill>
+                  <a:schemeClr val="bg1"/>
+                </a:solidFill>
+              </a:rPr>
+              <a:t> </a:t>
+            </a:r>
+            <a:r>
+              <a:rPr lang="de-DE" dirty="0" err="1">
+                <a:solidFill>
+                  <a:schemeClr val="bg1"/>
+                </a:solidFill>
+              </a:rPr>
+              <a:t>database</a:t>
+            </a:r>
+            <a:endParaRPr lang="en-US" dirty="0">
+              <a:solidFill>
+                <a:schemeClr val="bg1"/>
+              </a:solidFill>
+            </a:endParaRPr>
+          </a:p>
+        </p:txBody>
+      </p:sp>
+      <p:sp>
+        <p:nvSpPr>
+          <p:cNvPr id="16" name="Textfeld 15">
+            <a:extLst>
+              <a:ext uri="{FF2B5EF4-FFF2-40B4-BE49-F238E27FC236}">
+                <a16:creationId xmlns:a16="http://schemas.microsoft.com/office/drawing/2014/main" id="{BF2D4C63-BD2B-4C93-9E7F-07E7F221F232}"/>
+              </a:ext>
+            </a:extLst>
+          </p:cNvPr>
+          <p:cNvSpPr txBox="1"/>
+          <p:nvPr/>
+        </p:nvSpPr>
+        <p:spPr>
+          <a:xfrm>
+            <a:off x="7971471" y="5202632"/>
+            <a:ext cx="3327400" cy="646331"/>
+          </a:xfrm>
+          <a:prstGeom prst="rect">
+            <a:avLst/>
+          </a:prstGeom>
+          <a:noFill/>
+        </p:spPr>
+        <p:txBody>
+          <a:bodyPr wrap="square" rtlCol="0">
+            <a:spAutoFit/>
+          </a:bodyPr>
+          <a:lstStyle/>
+          <a:p>
+            <a:r>
+              <a:rPr lang="de-DE" dirty="0">
+                <a:solidFill>
+                  <a:schemeClr val="bg1"/>
+                </a:solidFill>
+              </a:rPr>
+              <a:t>Send user-</a:t>
+            </a:r>
+            <a:r>
+              <a:rPr lang="de-DE" dirty="0" err="1">
+                <a:solidFill>
+                  <a:schemeClr val="bg1"/>
+                </a:solidFill>
+              </a:rPr>
+              <a:t>question</a:t>
+            </a:r>
+            <a:r>
+              <a:rPr lang="de-DE" dirty="0">
+                <a:solidFill>
+                  <a:schemeClr val="bg1"/>
+                </a:solidFill>
+              </a:rPr>
+              <a:t> and </a:t>
+            </a:r>
+            <a:r>
+              <a:rPr lang="de-DE" dirty="0" err="1">
+                <a:solidFill>
+                  <a:schemeClr val="bg1"/>
+                </a:solidFill>
+              </a:rPr>
+              <a:t>retrieved</a:t>
+            </a:r>
+            <a:r>
+              <a:rPr lang="de-DE" dirty="0">
+                <a:solidFill>
+                  <a:schemeClr val="bg1"/>
+                </a:solidFill>
+              </a:rPr>
+              <a:t> </a:t>
+            </a:r>
+            <a:r>
+              <a:rPr lang="de-DE" dirty="0" err="1">
+                <a:solidFill>
+                  <a:schemeClr val="bg1"/>
+                </a:solidFill>
+              </a:rPr>
+              <a:t>data</a:t>
+            </a:r>
+            <a:r>
+              <a:rPr lang="de-DE" dirty="0">
+                <a:solidFill>
+                  <a:schemeClr val="bg1"/>
+                </a:solidFill>
+              </a:rPr>
+              <a:t> </a:t>
+            </a:r>
+            <a:r>
+              <a:rPr lang="de-DE" dirty="0" err="1">
+                <a:solidFill>
+                  <a:schemeClr val="bg1"/>
+                </a:solidFill>
+              </a:rPr>
+              <a:t>into</a:t>
+            </a:r>
+            <a:r>
+              <a:rPr lang="de-DE" dirty="0">
+                <a:solidFill>
+                  <a:schemeClr val="bg1"/>
+                </a:solidFill>
+              </a:rPr>
+              <a:t> LLM </a:t>
+            </a:r>
+            <a:r>
+              <a:rPr lang="de-DE" dirty="0" err="1">
+                <a:solidFill>
+                  <a:schemeClr val="bg1"/>
+                </a:solidFill>
+              </a:rPr>
+              <a:t>to</a:t>
+            </a:r>
+            <a:r>
+              <a:rPr lang="de-DE" dirty="0">
+                <a:solidFill>
+                  <a:schemeClr val="bg1"/>
+                </a:solidFill>
+              </a:rPr>
+              <a:t> </a:t>
+            </a:r>
+            <a:r>
+              <a:rPr lang="de-DE" dirty="0" err="1">
+                <a:solidFill>
+                  <a:schemeClr val="bg1"/>
+                </a:solidFill>
+              </a:rPr>
+              <a:t>generate</a:t>
+            </a:r>
+            <a:r>
+              <a:rPr lang="de-DE" dirty="0">
+                <a:solidFill>
+                  <a:schemeClr val="bg1"/>
+                </a:solidFill>
+              </a:rPr>
+              <a:t> </a:t>
+            </a:r>
+            <a:r>
+              <a:rPr lang="de-DE" dirty="0" err="1">
+                <a:solidFill>
+                  <a:schemeClr val="bg1"/>
+                </a:solidFill>
+              </a:rPr>
+              <a:t>answer</a:t>
+            </a:r>
+            <a:endParaRPr lang="en-US" dirty="0">
+              <a:solidFill>
+                <a:schemeClr val="bg1"/>
+              </a:solidFill>
+            </a:endParaRPr>
+          </a:p>
+        </p:txBody>
+      </p:sp>
+      <p:sp>
+        <p:nvSpPr>
+          <p:cNvPr id="2" name="Textfeld 1">
+            <a:extLst>
+              <a:ext uri="{FF2B5EF4-FFF2-40B4-BE49-F238E27FC236}">
+                <a16:creationId xmlns:a16="http://schemas.microsoft.com/office/drawing/2014/main" id="{7507A7E6-D5F9-4702-8EE8-C3B16EC1848E}"/>
+              </a:ext>
+            </a:extLst>
+          </p:cNvPr>
+          <p:cNvSpPr txBox="1"/>
+          <p:nvPr/>
+        </p:nvSpPr>
+        <p:spPr>
+          <a:xfrm>
+            <a:off x="8344216" y="2342364"/>
+            <a:ext cx="2954655" cy="430887"/>
+          </a:xfrm>
+          <a:prstGeom prst="rect">
+            <a:avLst/>
+          </a:prstGeom>
+          <a:noFill/>
+        </p:spPr>
+        <p:txBody>
+          <a:bodyPr wrap="none" rtlCol="0">
+            <a:spAutoFit/>
+          </a:bodyPr>
+          <a:lstStyle/>
+          <a:p>
+            <a:r>
+              <a:rPr lang="en-US" sz="1100" dirty="0">
+                <a:solidFill>
+                  <a:srgbClr val="6A9955"/>
+                </a:solidFill>
+                <a:latin typeface="Consolas" panose="020B0609020204030204" pitchFamily="49" charset="0"/>
+              </a:rPr>
+              <a:t>&gt;&gt;&gt;</a:t>
+            </a:r>
+            <a:r>
+              <a:rPr lang="en-US" sz="1100" dirty="0">
+                <a:solidFill>
+                  <a:srgbClr val="CCCCCC"/>
+                </a:solidFill>
+                <a:latin typeface="Consolas" panose="020B0609020204030204" pitchFamily="49" charset="0"/>
+              </a:rPr>
+              <a:t> Question: Summarize Paragraph 2.</a:t>
+            </a:r>
+          </a:p>
+          <a:p>
+            <a:r>
+              <a:rPr lang="en-US" sz="1100" dirty="0">
+                <a:solidFill>
+                  <a:srgbClr val="CCCCCC"/>
+                </a:solidFill>
+                <a:latin typeface="Consolas" panose="020B0609020204030204" pitchFamily="49" charset="0"/>
+              </a:rPr>
+              <a:t>    Data: Paragraph 2</a:t>
+            </a:r>
+          </a:p>
+        </p:txBody>
+      </p:sp>
+      <p:sp>
+        <p:nvSpPr>
+          <p:cNvPr id="18" name="Textfeld 17">
+            <a:extLst>
+              <a:ext uri="{FF2B5EF4-FFF2-40B4-BE49-F238E27FC236}">
+                <a16:creationId xmlns:a16="http://schemas.microsoft.com/office/drawing/2014/main" id="{C0CE606D-1AE1-4D4C-9532-5D181DB6EDE1}"/>
+              </a:ext>
+            </a:extLst>
+          </p:cNvPr>
+          <p:cNvSpPr txBox="1"/>
+          <p:nvPr/>
+        </p:nvSpPr>
+        <p:spPr>
+          <a:xfrm rot="5400000">
+            <a:off x="9359410" y="2680918"/>
+            <a:ext cx="415498" cy="369332"/>
+          </a:xfrm>
+          <a:prstGeom prst="rect">
+            <a:avLst/>
+          </a:prstGeom>
+          <a:noFill/>
+        </p:spPr>
+        <p:txBody>
+          <a:bodyPr wrap="none" rtlCol="0">
+            <a:spAutoFit/>
+          </a:bodyPr>
+          <a:lstStyle/>
+          <a:p>
+            <a:r>
+              <a:rPr lang="de-DE" dirty="0">
+                <a:solidFill>
+                  <a:schemeClr val="bg1"/>
+                </a:solidFill>
+              </a:rPr>
+              <a:t>=&gt;</a:t>
+            </a:r>
+            <a:endParaRPr lang="en-US" dirty="0">
+              <a:solidFill>
+                <a:schemeClr val="bg1"/>
+              </a:solidFill>
+            </a:endParaRPr>
+          </a:p>
+        </p:txBody>
+      </p:sp>
+      <p:sp>
+        <p:nvSpPr>
+          <p:cNvPr id="3" name="Textfeld 2">
+            <a:extLst>
+              <a:ext uri="{FF2B5EF4-FFF2-40B4-BE49-F238E27FC236}">
+                <a16:creationId xmlns:a16="http://schemas.microsoft.com/office/drawing/2014/main" id="{216E1AB3-E0DF-467D-997D-FE128D140C2B}"/>
+              </a:ext>
+            </a:extLst>
+          </p:cNvPr>
+          <p:cNvSpPr txBox="1"/>
+          <p:nvPr/>
+        </p:nvSpPr>
+        <p:spPr>
+          <a:xfrm>
+            <a:off x="9093421" y="2959489"/>
+            <a:ext cx="947476" cy="584775"/>
+          </a:xfrm>
+          <a:prstGeom prst="rect">
+            <a:avLst/>
+          </a:prstGeom>
+          <a:noFill/>
+        </p:spPr>
+        <p:txBody>
+          <a:bodyPr wrap="square" rtlCol="0">
+            <a:spAutoFit/>
+          </a:bodyPr>
+          <a:lstStyle/>
+          <a:p>
+            <a:r>
+              <a:rPr lang="de-DE" sz="3200" dirty="0">
+                <a:solidFill>
+                  <a:srgbClr val="FF0000"/>
+                </a:solidFill>
+              </a:rPr>
+              <a:t>LLM</a:t>
+            </a:r>
+            <a:endParaRPr lang="en-US" sz="3200" dirty="0">
+              <a:solidFill>
+                <a:srgbClr val="FF0000"/>
+              </a:solidFill>
+            </a:endParaRPr>
+          </a:p>
+        </p:txBody>
+      </p:sp>
+    </p:spTree>
+    <p:extLst>
+      <p:ext uri="{BB962C8B-B14F-4D97-AF65-F5344CB8AC3E}">
+        <p14:creationId xmlns:p14="http://schemas.microsoft.com/office/powerpoint/2010/main" val="146761750"/>
       </p:ext>
     </p:extLst>
   </p:cSld>
